--- a/How.pptx
+++ b/How.pptx
@@ -8112,8 +8112,8 @@
         </p:nvSpPr>
         <p:spPr>
           <a:xfrm>
-            <a:off x="3992400" y="1108800"/>
-            <a:ext cx="4788000" cy="813599"/>
+            <a:off x="1940400" y="1108800"/>
+            <a:ext cx="7182000" cy="813599"/>
           </a:xfrm>
           <a:prstGeom prst="roundRect">
             <a:avLst>
@@ -8413,7 +8413,7 @@
         </p:nvSpPr>
         <p:spPr>
           <a:xfrm>
-            <a:off x="4100400" y="1180800"/>
+            <a:off x="4100399" y="1180800"/>
             <a:ext cx="108000" cy="108000"/>
           </a:xfrm>
           <a:prstGeom prst="ellipse">
@@ -8505,7 +8505,7 @@
         </p:nvSpPr>
         <p:spPr>
           <a:xfrm>
-            <a:off x="4147200" y="1137600"/>
+            <a:off x="4147199" y="1137600"/>
             <a:ext cx="4003199" cy="216000"/>
           </a:xfrm>
           <a:prstGeom prst="rect">
@@ -8798,7 +8798,7 @@
         </p:nvSpPr>
         <p:spPr>
           <a:xfrm>
-            <a:off x="4100400" y="1677600"/>
+            <a:off x="4100399" y="1677600"/>
             <a:ext cx="108000" cy="108000"/>
           </a:xfrm>
           <a:prstGeom prst="ellipse">
@@ -8890,7 +8890,7 @@
         </p:nvSpPr>
         <p:spPr>
           <a:xfrm>
-            <a:off x="4147200" y="1634400"/>
+            <a:off x="4147199" y="1634400"/>
             <a:ext cx="4003199" cy="216000"/>
           </a:xfrm>
           <a:prstGeom prst="rect">
@@ -8928,7 +8928,7 @@
         </p:nvSpPr>
         <p:spPr>
           <a:xfrm>
-            <a:off x="3992400" y="2188800"/>
+            <a:off x="3992399" y="2188800"/>
             <a:ext cx="4788000" cy="813599"/>
           </a:xfrm>
           <a:prstGeom prst="roundRect">
@@ -9229,7 +9229,7 @@
         </p:nvSpPr>
         <p:spPr>
           <a:xfrm>
-            <a:off x="4100400" y="2260800"/>
+            <a:off x="4100399" y="2260800"/>
             <a:ext cx="108000" cy="108000"/>
           </a:xfrm>
           <a:prstGeom prst="ellipse">
@@ -9321,7 +9321,7 @@
         </p:nvSpPr>
         <p:spPr>
           <a:xfrm>
-            <a:off x="4147200" y="2217600"/>
+            <a:off x="4147199" y="2217600"/>
             <a:ext cx="4003199" cy="216000"/>
           </a:xfrm>
           <a:prstGeom prst="rect">
@@ -9614,7 +9614,7 @@
         </p:nvSpPr>
         <p:spPr>
           <a:xfrm>
-            <a:off x="4100400" y="2757600"/>
+            <a:off x="4100399" y="2757600"/>
             <a:ext cx="108000" cy="108000"/>
           </a:xfrm>
           <a:prstGeom prst="ellipse">
@@ -9706,7 +9706,7 @@
         </p:nvSpPr>
         <p:spPr>
           <a:xfrm>
-            <a:off x="4147200" y="2714400"/>
+            <a:off x="4147199" y="2714400"/>
             <a:ext cx="4003199" cy="216000"/>
           </a:xfrm>
           <a:prstGeom prst="rect">
@@ -9744,7 +9744,7 @@
         </p:nvSpPr>
         <p:spPr>
           <a:xfrm>
-            <a:off x="3992400" y="3268800"/>
+            <a:off x="3992399" y="3268800"/>
             <a:ext cx="4788000" cy="813599"/>
           </a:xfrm>
           <a:prstGeom prst="roundRect">
@@ -10045,7 +10045,7 @@
         </p:nvSpPr>
         <p:spPr>
           <a:xfrm>
-            <a:off x="4100400" y="3340800"/>
+            <a:off x="4100399" y="3340800"/>
             <a:ext cx="108000" cy="108000"/>
           </a:xfrm>
           <a:prstGeom prst="ellipse">
@@ -10137,7 +10137,7 @@
         </p:nvSpPr>
         <p:spPr>
           <a:xfrm>
-            <a:off x="4147200" y="3297600"/>
+            <a:off x="4147199" y="3297600"/>
             <a:ext cx="4003199" cy="216000"/>
           </a:xfrm>
           <a:prstGeom prst="rect">
@@ -10430,7 +10430,7 @@
         </p:nvSpPr>
         <p:spPr>
           <a:xfrm>
-            <a:off x="4100400" y="3837600"/>
+            <a:off x="4100399" y="3837600"/>
             <a:ext cx="108000" cy="108000"/>
           </a:xfrm>
           <a:prstGeom prst="ellipse">
@@ -10522,7 +10522,7 @@
         </p:nvSpPr>
         <p:spPr>
           <a:xfrm>
-            <a:off x="4147200" y="3794400"/>
+            <a:off x="4147199" y="3794400"/>
             <a:ext cx="4003199" cy="216000"/>
           </a:xfrm>
           <a:prstGeom prst="rect">
@@ -10560,7 +10560,7 @@
         </p:nvSpPr>
         <p:spPr>
           <a:xfrm>
-            <a:off x="3992400" y="4348800"/>
+            <a:off x="3992399" y="4348800"/>
             <a:ext cx="4788000" cy="813599"/>
           </a:xfrm>
           <a:prstGeom prst="roundRect">
@@ -10861,7 +10861,7 @@
         </p:nvSpPr>
         <p:spPr>
           <a:xfrm>
-            <a:off x="4100400" y="4420800"/>
+            <a:off x="4100399" y="4420800"/>
             <a:ext cx="108000" cy="108000"/>
           </a:xfrm>
           <a:prstGeom prst="ellipse">
@@ -10953,7 +10953,7 @@
         </p:nvSpPr>
         <p:spPr>
           <a:xfrm>
-            <a:off x="4147200" y="4377600"/>
+            <a:off x="4147199" y="4377600"/>
             <a:ext cx="4003199" cy="216000"/>
           </a:xfrm>
           <a:prstGeom prst="rect">
@@ -11247,7 +11247,7 @@
         </p:nvSpPr>
         <p:spPr>
           <a:xfrm>
-            <a:off x="4100400" y="4917600"/>
+            <a:off x="4100399" y="4917600"/>
             <a:ext cx="108000" cy="108000"/>
           </a:xfrm>
           <a:prstGeom prst="ellipse">
@@ -11339,7 +11339,7 @@
         </p:nvSpPr>
         <p:spPr>
           <a:xfrm>
-            <a:off x="4147200" y="4874400"/>
+            <a:off x="4147199" y="4874400"/>
             <a:ext cx="4003199" cy="216000"/>
           </a:xfrm>
           <a:prstGeom prst="rect">
@@ -11377,7 +11377,7 @@
         </p:nvSpPr>
         <p:spPr>
           <a:xfrm>
-            <a:off x="3992400" y="5428800"/>
+            <a:off x="3992399" y="5428800"/>
             <a:ext cx="4788000" cy="813599"/>
           </a:xfrm>
           <a:prstGeom prst="roundRect">
@@ -11678,7 +11678,7 @@
         </p:nvSpPr>
         <p:spPr>
           <a:xfrm>
-            <a:off x="4100400" y="5500800"/>
+            <a:off x="4100399" y="5500800"/>
             <a:ext cx="108000" cy="108000"/>
           </a:xfrm>
           <a:prstGeom prst="ellipse">
@@ -11770,7 +11770,7 @@
         </p:nvSpPr>
         <p:spPr>
           <a:xfrm>
-            <a:off x="4147200" y="5457600"/>
+            <a:off x="4147199" y="5457600"/>
             <a:ext cx="4003199" cy="216000"/>
           </a:xfrm>
           <a:prstGeom prst="rect">
@@ -12062,7 +12062,7 @@
         </p:nvSpPr>
         <p:spPr>
           <a:xfrm>
-            <a:off x="4100400" y="5997600"/>
+            <a:off x="4100399" y="5997600"/>
             <a:ext cx="108000" cy="108000"/>
           </a:xfrm>
           <a:prstGeom prst="ellipse">
@@ -12154,7 +12154,7 @@
         </p:nvSpPr>
         <p:spPr>
           <a:xfrm>
-            <a:off x="4147200" y="5954400"/>
+            <a:off x="4147199" y="5954400"/>
             <a:ext cx="4003199" cy="216000"/>
           </a:xfrm>
           <a:prstGeom prst="rect">
@@ -12257,7 +12257,7 @@
       </p:sp>
       <p:sp>
         <p:nvSpPr>
-          <p:cNvPr id="84" name="Rounded Rectangle 83">
+          <p:cNvPr id="90" name="Rounded Rectangle 89">
             <a:hlinkClick action="ppaction://hlinksldjump" r:id="rId8"/>
           </p:cNvPr>
           <p:cNvSpPr/>
@@ -12307,7 +12307,7 @@
       </p:sp>
       <p:sp>
         <p:nvSpPr>
-          <p:cNvPr id="77" name="Rounded Rectangle 76">
+          <p:cNvPr id="83" name="Rounded Rectangle 82">
             <a:hlinkClick action="ppaction://hlinksldjump" r:id="rId7"/>
           </p:cNvPr>
           <p:cNvSpPr/>
@@ -12357,7 +12357,7 @@
       </p:sp>
       <p:sp>
         <p:nvSpPr>
-          <p:cNvPr id="70" name="Rounded Rectangle 69">
+          <p:cNvPr id="76" name="Rounded Rectangle 75">
             <a:hlinkClick action="ppaction://hlinksldjump" r:id="rId6"/>
           </p:cNvPr>
           <p:cNvSpPr/>
@@ -12407,7 +12407,7 @@
       </p:sp>
       <p:sp>
         <p:nvSpPr>
-          <p:cNvPr id="63" name="Rounded Rectangle 62">
+          <p:cNvPr id="69" name="Rounded Rectangle 68">
             <a:hlinkClick action="ppaction://hlinksldjump" r:id="rId4"/>
           </p:cNvPr>
           <p:cNvSpPr/>
@@ -12463,7 +12463,7 @@
         </p:nvSpPr>
         <p:spPr>
           <a:xfrm>
-            <a:off x="3040971" y="396000"/>
+            <a:off x="725657" y="396000"/>
             <a:ext cx="720000" cy="392400"/>
           </a:xfrm>
           <a:prstGeom prst="rect">
@@ -12506,210 +12506,6 @@
             <a:avLst/>
           </a:prstGeom>
           <a:solidFill>
-            <a:srgbClr val="333F50"/>
-          </a:solidFill>
-          <a:ln w="3">
-            <a:solidFill>
-              <a:srgbClr val="333F50"/>
-            </a:solidFill>
-          </a:ln>
-          <a:effectLst/>
-        </p:spPr>
-        <p:style>
-          <a:lnRef idx="1">
-            <a:schemeClr val="accent1"/>
-          </a:lnRef>
-          <a:fillRef idx="3">
-            <a:schemeClr val="accent1"/>
-          </a:fillRef>
-          <a:effectRef idx="2">
-            <a:schemeClr val="accent1"/>
-          </a:effectRef>
-          <a:fontRef idx="minor">
-            <a:schemeClr val="lt1"/>
-          </a:fontRef>
-        </p:style>
-        <p:txBody>
-          <a:bodyPr rtlCol="0" anchor="ctr"/>
-          <a:lstStyle/>
-          <a:p>
-            <a:pPr algn="ctr">
-              <a:defRPr sz="1050">
-                <a:solidFill>
-                  <a:srgbClr val="617899"/>
-                </a:solidFill>
-                <a:latin typeface="Segoe UI Semibold"/>
-              </a:defRPr>
-            </a:pPr>
-            <a:r>
-              <a:t>Q4 2021</a:t>
-            </a:r>
-          </a:p>
-        </p:txBody>
-      </p:sp>
-      <p:sp>
-        <p:nvSpPr>
-          <p:cNvPr id="5" name="Rectangle 4"/>
-          <p:cNvSpPr/>
-          <p:nvPr/>
-        </p:nvSpPr>
-        <p:spPr>
-          <a:xfrm>
-            <a:off x="2628000" y="435599"/>
-            <a:ext cx="1440" cy="6263999"/>
-          </a:xfrm>
-          <a:prstGeom prst="rect">
-            <a:avLst/>
-          </a:prstGeom>
-          <a:solidFill>
-            <a:srgbClr val="464853"/>
-          </a:solidFill>
-          <a:ln>
-            <a:solidFill>
-              <a:srgbClr val="464853"/>
-            </a:solidFill>
-          </a:ln>
-          <a:effectLst/>
-        </p:spPr>
-        <p:style>
-          <a:lnRef idx="1">
-            <a:schemeClr val="accent1"/>
-          </a:lnRef>
-          <a:fillRef idx="3">
-            <a:schemeClr val="accent1"/>
-          </a:fillRef>
-          <a:effectRef idx="2">
-            <a:schemeClr val="accent1"/>
-          </a:effectRef>
-          <a:fontRef idx="minor">
-            <a:schemeClr val="lt1"/>
-          </a:fontRef>
-        </p:style>
-        <p:txBody>
-          <a:bodyPr rtlCol="0" anchor="ctr"/>
-          <a:lstStyle/>
-          <a:p>
-            <a:pPr algn="ctr"/>
-          </a:p>
-        </p:txBody>
-      </p:sp>
-      <p:sp>
-        <p:nvSpPr>
-          <p:cNvPr id="6" name="Rounded Rectangle 5"/>
-          <p:cNvSpPr/>
-          <p:nvPr/>
-        </p:nvSpPr>
-        <p:spPr>
-          <a:xfrm>
-            <a:off x="2727257" y="183600"/>
-            <a:ext cx="936000" cy="216000"/>
-          </a:xfrm>
-          <a:prstGeom prst="roundRect">
-            <a:avLst/>
-          </a:prstGeom>
-          <a:solidFill>
-            <a:srgbClr val="333F50"/>
-          </a:solidFill>
-          <a:ln w="3">
-            <a:solidFill>
-              <a:srgbClr val="333F50"/>
-            </a:solidFill>
-          </a:ln>
-          <a:effectLst/>
-        </p:spPr>
-        <p:style>
-          <a:lnRef idx="1">
-            <a:schemeClr val="accent1"/>
-          </a:lnRef>
-          <a:fillRef idx="3">
-            <a:schemeClr val="accent1"/>
-          </a:fillRef>
-          <a:effectRef idx="2">
-            <a:schemeClr val="accent1"/>
-          </a:effectRef>
-          <a:fontRef idx="minor">
-            <a:schemeClr val="lt1"/>
-          </a:fontRef>
-        </p:style>
-        <p:txBody>
-          <a:bodyPr rtlCol="0" anchor="ctr"/>
-          <a:lstStyle/>
-          <a:p>
-            <a:pPr algn="ctr">
-              <a:defRPr sz="1050">
-                <a:solidFill>
-                  <a:srgbClr val="617899"/>
-                </a:solidFill>
-                <a:latin typeface="Segoe UI Semibold"/>
-              </a:defRPr>
-            </a:pPr>
-            <a:r>
-              <a:t>Q1 2022</a:t>
-            </a:r>
-          </a:p>
-        </p:txBody>
-      </p:sp>
-      <p:sp>
-        <p:nvSpPr>
-          <p:cNvPr id="7" name="Rectangle 6"/>
-          <p:cNvSpPr/>
-          <p:nvPr/>
-        </p:nvSpPr>
-        <p:spPr>
-          <a:xfrm>
-            <a:off x="3785657" y="435599"/>
-            <a:ext cx="1440" cy="6263999"/>
-          </a:xfrm>
-          <a:prstGeom prst="rect">
-            <a:avLst/>
-          </a:prstGeom>
-          <a:solidFill>
-            <a:srgbClr val="464853"/>
-          </a:solidFill>
-          <a:ln>
-            <a:solidFill>
-              <a:srgbClr val="464853"/>
-            </a:solidFill>
-          </a:ln>
-          <a:effectLst/>
-        </p:spPr>
-        <p:style>
-          <a:lnRef idx="1">
-            <a:schemeClr val="accent1"/>
-          </a:lnRef>
-          <a:fillRef idx="3">
-            <a:schemeClr val="accent1"/>
-          </a:fillRef>
-          <a:effectRef idx="2">
-            <a:schemeClr val="accent1"/>
-          </a:effectRef>
-          <a:fontRef idx="minor">
-            <a:schemeClr val="lt1"/>
-          </a:fontRef>
-        </p:style>
-        <p:txBody>
-          <a:bodyPr rtlCol="0" anchor="ctr"/>
-          <a:lstStyle/>
-          <a:p>
-            <a:pPr algn="ctr"/>
-          </a:p>
-        </p:txBody>
-      </p:sp>
-      <p:sp>
-        <p:nvSpPr>
-          <p:cNvPr id="8" name="Rounded Rectangle 7"/>
-          <p:cNvSpPr/>
-          <p:nvPr/>
-        </p:nvSpPr>
-        <p:spPr>
-          <a:xfrm>
-            <a:off x="3884914" y="183600"/>
-            <a:ext cx="936000" cy="216000"/>
-          </a:xfrm>
-          <a:prstGeom prst="roundRect">
-            <a:avLst/>
-          </a:prstGeom>
-          <a:solidFill>
             <a:srgbClr val="464853"/>
           </a:solidFill>
           <a:ln w="3">
@@ -12746,20 +12542,20 @@
               </a:defRPr>
             </a:pPr>
             <a:r>
-              <a:t>Q2 2022</a:t>
-            </a:r>
-          </a:p>
-        </p:txBody>
-      </p:sp>
-      <p:sp>
-        <p:nvSpPr>
-          <p:cNvPr id="9" name="Rectangle 8"/>
+              <a:t>Q4 2021</a:t>
+            </a:r>
+          </a:p>
+        </p:txBody>
+      </p:sp>
+      <p:sp>
+        <p:nvSpPr>
+          <p:cNvPr id="5" name="Rectangle 4"/>
           <p:cNvSpPr/>
           <p:nvPr/>
         </p:nvSpPr>
         <p:spPr>
           <a:xfrm>
-            <a:off x="4943314" y="435599"/>
+            <a:off x="2628000" y="435599"/>
             <a:ext cx="1440" cy="6263999"/>
           </a:xfrm>
           <a:prstGeom prst="rect">
@@ -12799,14 +12595,14 @@
       </p:sp>
       <p:sp>
         <p:nvSpPr>
-          <p:cNvPr id="10" name="Rounded Rectangle 9"/>
+          <p:cNvPr id="6" name="Rounded Rectangle 5"/>
           <p:cNvSpPr/>
           <p:nvPr/>
         </p:nvSpPr>
         <p:spPr>
           <a:xfrm>
-            <a:off x="3884914" y="471600"/>
-            <a:ext cx="374400" cy="108000"/>
+            <a:off x="1569600" y="471600"/>
+            <a:ext cx="93600" cy="108000"/>
           </a:xfrm>
           <a:prstGeom prst="roundRect">
             <a:avLst/>
@@ -12850,13 +12646,13 @@
       </p:sp>
       <p:sp>
         <p:nvSpPr>
-          <p:cNvPr id="11" name="TextBox 10"/>
+          <p:cNvPr id="7" name="TextBox 6"/>
           <p:cNvSpPr txBox="1"/>
           <p:nvPr/>
         </p:nvSpPr>
         <p:spPr>
           <a:xfrm>
-            <a:off x="4604914" y="417600"/>
+            <a:off x="2289600" y="417600"/>
             <a:ext cx="251999" cy="216000"/>
           </a:xfrm>
           <a:prstGeom prst="rect">
@@ -12879,20 +12675,20 @@
               </a:defRPr>
             </a:pPr>
             <a:r>
-              <a:t>40</a:t>
-            </a:r>
-          </a:p>
-        </p:txBody>
-      </p:sp>
-      <p:sp>
-        <p:nvSpPr>
-          <p:cNvPr id="12" name="TextBox 11"/>
+              <a:t>10</a:t>
+            </a:r>
+          </a:p>
+        </p:txBody>
+      </p:sp>
+      <p:sp>
+        <p:nvSpPr>
+          <p:cNvPr id="8" name="TextBox 7"/>
           <p:cNvSpPr txBox="1"/>
           <p:nvPr/>
         </p:nvSpPr>
         <p:spPr>
           <a:xfrm>
-            <a:off x="4784914" y="435600"/>
+            <a:off x="2469600" y="435600"/>
             <a:ext cx="144000" cy="180000"/>
           </a:xfrm>
           <a:prstGeom prst="rect">
@@ -12922,13 +12718,13 @@
       </p:sp>
       <p:sp>
         <p:nvSpPr>
-          <p:cNvPr id="13" name="Rounded Rectangle 12"/>
+          <p:cNvPr id="9" name="Rounded Rectangle 8"/>
           <p:cNvSpPr/>
           <p:nvPr/>
         </p:nvSpPr>
         <p:spPr>
           <a:xfrm>
-            <a:off x="5042571" y="183600"/>
+            <a:off x="2727257" y="183600"/>
             <a:ext cx="936000" cy="216000"/>
           </a:xfrm>
           <a:prstGeom prst="roundRect">
@@ -12971,20 +12767,20 @@
               </a:defRPr>
             </a:pPr>
             <a:r>
-              <a:t>Q3 2022</a:t>
-            </a:r>
-          </a:p>
-        </p:txBody>
-      </p:sp>
-      <p:sp>
-        <p:nvSpPr>
-          <p:cNvPr id="14" name="Rectangle 13"/>
+              <a:t>Q1 2022</a:t>
+            </a:r>
+          </a:p>
+        </p:txBody>
+      </p:sp>
+      <p:sp>
+        <p:nvSpPr>
+          <p:cNvPr id="10" name="Rectangle 9"/>
           <p:cNvSpPr/>
           <p:nvPr/>
         </p:nvSpPr>
         <p:spPr>
           <a:xfrm>
-            <a:off x="6100971" y="435599"/>
+            <a:off x="3785657" y="435599"/>
             <a:ext cx="1440" cy="6263999"/>
           </a:xfrm>
           <a:prstGeom prst="rect">
@@ -13024,14 +12820,14 @@
       </p:sp>
       <p:sp>
         <p:nvSpPr>
-          <p:cNvPr id="15" name="Rounded Rectangle 14"/>
+          <p:cNvPr id="11" name="Rounded Rectangle 10"/>
           <p:cNvSpPr/>
           <p:nvPr/>
         </p:nvSpPr>
         <p:spPr>
           <a:xfrm>
-            <a:off x="5042571" y="471600"/>
-            <a:ext cx="468000" cy="108000"/>
+            <a:off x="2727257" y="471600"/>
+            <a:ext cx="93600" cy="108000"/>
           </a:xfrm>
           <a:prstGeom prst="roundRect">
             <a:avLst/>
@@ -13075,13 +12871,13 @@
       </p:sp>
       <p:sp>
         <p:nvSpPr>
-          <p:cNvPr id="16" name="TextBox 15"/>
+          <p:cNvPr id="12" name="TextBox 11"/>
           <p:cNvSpPr txBox="1"/>
           <p:nvPr/>
         </p:nvSpPr>
         <p:spPr>
           <a:xfrm>
-            <a:off x="5762571" y="417600"/>
+            <a:off x="3447257" y="417600"/>
             <a:ext cx="251999" cy="216000"/>
           </a:xfrm>
           <a:prstGeom prst="rect">
@@ -13104,20 +12900,20 @@
               </a:defRPr>
             </a:pPr>
             <a:r>
-              <a:t>50</a:t>
-            </a:r>
-          </a:p>
-        </p:txBody>
-      </p:sp>
-      <p:sp>
-        <p:nvSpPr>
-          <p:cNvPr id="17" name="TextBox 16"/>
+              <a:t>10</a:t>
+            </a:r>
+          </a:p>
+        </p:txBody>
+      </p:sp>
+      <p:sp>
+        <p:nvSpPr>
+          <p:cNvPr id="13" name="TextBox 12"/>
           <p:cNvSpPr txBox="1"/>
           <p:nvPr/>
         </p:nvSpPr>
         <p:spPr>
           <a:xfrm>
-            <a:off x="5942571" y="435600"/>
+            <a:off x="3627257" y="435600"/>
             <a:ext cx="144000" cy="180000"/>
           </a:xfrm>
           <a:prstGeom prst="rect">
@@ -13147,13 +12943,13 @@
       </p:sp>
       <p:sp>
         <p:nvSpPr>
-          <p:cNvPr id="18" name="Rounded Rectangle 17"/>
+          <p:cNvPr id="14" name="Rounded Rectangle 13"/>
           <p:cNvSpPr/>
           <p:nvPr/>
         </p:nvSpPr>
         <p:spPr>
           <a:xfrm>
-            <a:off x="6200228" y="183600"/>
+            <a:off x="3884914" y="183600"/>
             <a:ext cx="936000" cy="216000"/>
           </a:xfrm>
           <a:prstGeom prst="roundRect">
@@ -13196,20 +12992,20 @@
               </a:defRPr>
             </a:pPr>
             <a:r>
-              <a:t>Q4 2022</a:t>
-            </a:r>
-          </a:p>
-        </p:txBody>
-      </p:sp>
-      <p:sp>
-        <p:nvSpPr>
-          <p:cNvPr id="19" name="Rectangle 18"/>
+              <a:t>Q2 2022</a:t>
+            </a:r>
+          </a:p>
+        </p:txBody>
+      </p:sp>
+      <p:sp>
+        <p:nvSpPr>
+          <p:cNvPr id="15" name="Rectangle 14"/>
           <p:cNvSpPr/>
           <p:nvPr/>
         </p:nvSpPr>
         <p:spPr>
           <a:xfrm>
-            <a:off x="7258628" y="435599"/>
+            <a:off x="4943314" y="435599"/>
             <a:ext cx="1440" cy="6263999"/>
           </a:xfrm>
           <a:prstGeom prst="rect">
@@ -13249,14 +13045,14 @@
       </p:sp>
       <p:sp>
         <p:nvSpPr>
-          <p:cNvPr id="20" name="Rounded Rectangle 19"/>
+          <p:cNvPr id="16" name="Rounded Rectangle 15"/>
           <p:cNvSpPr/>
           <p:nvPr/>
         </p:nvSpPr>
         <p:spPr>
           <a:xfrm>
-            <a:off x="6200228" y="471600"/>
-            <a:ext cx="748800" cy="108000"/>
+            <a:off x="3884914" y="471600"/>
+            <a:ext cx="374400" cy="108000"/>
           </a:xfrm>
           <a:prstGeom prst="roundRect">
             <a:avLst/>
@@ -13300,13 +13096,13 @@
       </p:sp>
       <p:sp>
         <p:nvSpPr>
-          <p:cNvPr id="21" name="TextBox 20"/>
+          <p:cNvPr id="17" name="TextBox 16"/>
           <p:cNvSpPr txBox="1"/>
           <p:nvPr/>
         </p:nvSpPr>
         <p:spPr>
           <a:xfrm>
-            <a:off x="6920228" y="417600"/>
+            <a:off x="4604914" y="417600"/>
             <a:ext cx="251999" cy="216000"/>
           </a:xfrm>
           <a:prstGeom prst="rect">
@@ -13329,20 +13125,20 @@
               </a:defRPr>
             </a:pPr>
             <a:r>
-              <a:t>80</a:t>
-            </a:r>
-          </a:p>
-        </p:txBody>
-      </p:sp>
-      <p:sp>
-        <p:nvSpPr>
-          <p:cNvPr id="22" name="TextBox 21"/>
+              <a:t>40</a:t>
+            </a:r>
+          </a:p>
+        </p:txBody>
+      </p:sp>
+      <p:sp>
+        <p:nvSpPr>
+          <p:cNvPr id="18" name="TextBox 17"/>
           <p:cNvSpPr txBox="1"/>
           <p:nvPr/>
         </p:nvSpPr>
         <p:spPr>
           <a:xfrm>
-            <a:off x="7100228" y="435600"/>
+            <a:off x="4784914" y="435600"/>
             <a:ext cx="144000" cy="180000"/>
           </a:xfrm>
           <a:prstGeom prst="rect">
@@ -13372,13 +13168,13 @@
       </p:sp>
       <p:sp>
         <p:nvSpPr>
-          <p:cNvPr id="23" name="Rounded Rectangle 22"/>
+          <p:cNvPr id="19" name="Rounded Rectangle 18"/>
           <p:cNvSpPr/>
           <p:nvPr/>
         </p:nvSpPr>
         <p:spPr>
           <a:xfrm>
-            <a:off x="7357885" y="183600"/>
+            <a:off x="5042571" y="183600"/>
             <a:ext cx="936000" cy="216000"/>
           </a:xfrm>
           <a:prstGeom prst="roundRect">
@@ -13421,20 +13217,20 @@
               </a:defRPr>
             </a:pPr>
             <a:r>
-              <a:t>Q1 2023</a:t>
-            </a:r>
-          </a:p>
-        </p:txBody>
-      </p:sp>
-      <p:sp>
-        <p:nvSpPr>
-          <p:cNvPr id="24" name="Rectangle 23"/>
+              <a:t>Q3 2022</a:t>
+            </a:r>
+          </a:p>
+        </p:txBody>
+      </p:sp>
+      <p:sp>
+        <p:nvSpPr>
+          <p:cNvPr id="20" name="Rectangle 19"/>
           <p:cNvSpPr/>
           <p:nvPr/>
         </p:nvSpPr>
         <p:spPr>
           <a:xfrm>
-            <a:off x="8416285" y="435599"/>
+            <a:off x="6100971" y="435599"/>
             <a:ext cx="1440" cy="6263999"/>
           </a:xfrm>
           <a:prstGeom prst="rect">
@@ -13474,14 +13270,14 @@
       </p:sp>
       <p:sp>
         <p:nvSpPr>
-          <p:cNvPr id="25" name="Rounded Rectangle 24"/>
+          <p:cNvPr id="21" name="Rounded Rectangle 20"/>
           <p:cNvSpPr/>
           <p:nvPr/>
         </p:nvSpPr>
         <p:spPr>
           <a:xfrm>
-            <a:off x="7357885" y="471600"/>
-            <a:ext cx="748800" cy="108000"/>
+            <a:off x="5042571" y="471600"/>
+            <a:ext cx="468000" cy="108000"/>
           </a:xfrm>
           <a:prstGeom prst="roundRect">
             <a:avLst/>
@@ -13525,13 +13321,13 @@
       </p:sp>
       <p:sp>
         <p:nvSpPr>
-          <p:cNvPr id="26" name="TextBox 25"/>
+          <p:cNvPr id="22" name="TextBox 21"/>
           <p:cNvSpPr txBox="1"/>
           <p:nvPr/>
         </p:nvSpPr>
         <p:spPr>
           <a:xfrm>
-            <a:off x="8077885" y="417600"/>
+            <a:off x="5762571" y="417600"/>
             <a:ext cx="251999" cy="216000"/>
           </a:xfrm>
           <a:prstGeom prst="rect">
@@ -13554,20 +13350,20 @@
               </a:defRPr>
             </a:pPr>
             <a:r>
-              <a:t>80</a:t>
-            </a:r>
-          </a:p>
-        </p:txBody>
-      </p:sp>
-      <p:sp>
-        <p:nvSpPr>
-          <p:cNvPr id="27" name="TextBox 26"/>
+              <a:t>50</a:t>
+            </a:r>
+          </a:p>
+        </p:txBody>
+      </p:sp>
+      <p:sp>
+        <p:nvSpPr>
+          <p:cNvPr id="23" name="TextBox 22"/>
           <p:cNvSpPr txBox="1"/>
           <p:nvPr/>
         </p:nvSpPr>
         <p:spPr>
           <a:xfrm>
-            <a:off x="8257885" y="435600"/>
+            <a:off x="5942571" y="435600"/>
             <a:ext cx="144000" cy="180000"/>
           </a:xfrm>
           <a:prstGeom prst="rect">
@@ -13597,13 +13393,13 @@
       </p:sp>
       <p:sp>
         <p:nvSpPr>
-          <p:cNvPr id="28" name="Rounded Rectangle 27"/>
+          <p:cNvPr id="24" name="Rounded Rectangle 23"/>
           <p:cNvSpPr/>
           <p:nvPr/>
         </p:nvSpPr>
         <p:spPr>
           <a:xfrm>
-            <a:off x="8515542" y="183600"/>
+            <a:off x="6200228" y="183600"/>
             <a:ext cx="936000" cy="216000"/>
           </a:xfrm>
           <a:prstGeom prst="roundRect">
@@ -13646,20 +13442,20 @@
               </a:defRPr>
             </a:pPr>
             <a:r>
-              <a:t>Q2 2023</a:t>
-            </a:r>
-          </a:p>
-        </p:txBody>
-      </p:sp>
-      <p:sp>
-        <p:nvSpPr>
-          <p:cNvPr id="29" name="Rectangle 28"/>
+              <a:t>Q4 2022</a:t>
+            </a:r>
+          </a:p>
+        </p:txBody>
+      </p:sp>
+      <p:sp>
+        <p:nvSpPr>
+          <p:cNvPr id="25" name="Rectangle 24"/>
           <p:cNvSpPr/>
           <p:nvPr/>
         </p:nvSpPr>
         <p:spPr>
           <a:xfrm>
-            <a:off x="9573942" y="435599"/>
+            <a:off x="7258628" y="435599"/>
             <a:ext cx="1440" cy="6263999"/>
           </a:xfrm>
           <a:prstGeom prst="rect">
@@ -13699,14 +13495,14 @@
       </p:sp>
       <p:sp>
         <p:nvSpPr>
-          <p:cNvPr id="30" name="Rounded Rectangle 29"/>
+          <p:cNvPr id="26" name="Rounded Rectangle 25"/>
           <p:cNvSpPr/>
           <p:nvPr/>
         </p:nvSpPr>
         <p:spPr>
           <a:xfrm>
-            <a:off x="8515542" y="471600"/>
-            <a:ext cx="936000" cy="108000"/>
+            <a:off x="6200228" y="471600"/>
+            <a:ext cx="748800" cy="108000"/>
           </a:xfrm>
           <a:prstGeom prst="roundRect">
             <a:avLst/>
@@ -13750,13 +13546,13 @@
       </p:sp>
       <p:sp>
         <p:nvSpPr>
-          <p:cNvPr id="31" name="TextBox 30"/>
+          <p:cNvPr id="27" name="TextBox 26"/>
           <p:cNvSpPr txBox="1"/>
           <p:nvPr/>
         </p:nvSpPr>
         <p:spPr>
           <a:xfrm>
-            <a:off x="9235542" y="417600"/>
+            <a:off x="6920228" y="417600"/>
             <a:ext cx="251999" cy="216000"/>
           </a:xfrm>
           <a:prstGeom prst="rect">
@@ -13779,20 +13575,20 @@
               </a:defRPr>
             </a:pPr>
             <a:r>
-              <a:t>100</a:t>
-            </a:r>
-          </a:p>
-        </p:txBody>
-      </p:sp>
-      <p:sp>
-        <p:nvSpPr>
-          <p:cNvPr id="32" name="TextBox 31"/>
+              <a:t>80</a:t>
+            </a:r>
+          </a:p>
+        </p:txBody>
+      </p:sp>
+      <p:sp>
+        <p:nvSpPr>
+          <p:cNvPr id="28" name="TextBox 27"/>
           <p:cNvSpPr txBox="1"/>
           <p:nvPr/>
         </p:nvSpPr>
         <p:spPr>
           <a:xfrm>
-            <a:off x="9415542" y="435600"/>
+            <a:off x="7100228" y="435600"/>
             <a:ext cx="144000" cy="180000"/>
           </a:xfrm>
           <a:prstGeom prst="rect">
@@ -13822,7 +13618,457 @@
       </p:sp>
       <p:sp>
         <p:nvSpPr>
-          <p:cNvPr id="33" name="Rounded Rectangle 32"/>
+          <p:cNvPr id="29" name="Rounded Rectangle 28"/>
+          <p:cNvSpPr/>
+          <p:nvPr/>
+        </p:nvSpPr>
+        <p:spPr>
+          <a:xfrm>
+            <a:off x="7357885" y="183600"/>
+            <a:ext cx="936000" cy="216000"/>
+          </a:xfrm>
+          <a:prstGeom prst="roundRect">
+            <a:avLst/>
+          </a:prstGeom>
+          <a:solidFill>
+            <a:srgbClr val="464853"/>
+          </a:solidFill>
+          <a:ln w="3">
+            <a:solidFill>
+              <a:srgbClr val="464853"/>
+            </a:solidFill>
+          </a:ln>
+          <a:effectLst/>
+        </p:spPr>
+        <p:style>
+          <a:lnRef idx="1">
+            <a:schemeClr val="accent1"/>
+          </a:lnRef>
+          <a:fillRef idx="3">
+            <a:schemeClr val="accent1"/>
+          </a:fillRef>
+          <a:effectRef idx="2">
+            <a:schemeClr val="accent1"/>
+          </a:effectRef>
+          <a:fontRef idx="minor">
+            <a:schemeClr val="lt1"/>
+          </a:fontRef>
+        </p:style>
+        <p:txBody>
+          <a:bodyPr rtlCol="0" anchor="ctr"/>
+          <a:lstStyle/>
+          <a:p>
+            <a:pPr algn="ctr">
+              <a:defRPr sz="1050">
+                <a:solidFill>
+                  <a:srgbClr val="FFFFFF"/>
+                </a:solidFill>
+                <a:latin typeface="Segoe UI Semibold"/>
+              </a:defRPr>
+            </a:pPr>
+            <a:r>
+              <a:t>Q1 2023</a:t>
+            </a:r>
+          </a:p>
+        </p:txBody>
+      </p:sp>
+      <p:sp>
+        <p:nvSpPr>
+          <p:cNvPr id="30" name="Rectangle 29"/>
+          <p:cNvSpPr/>
+          <p:nvPr/>
+        </p:nvSpPr>
+        <p:spPr>
+          <a:xfrm>
+            <a:off x="8416285" y="435599"/>
+            <a:ext cx="1440" cy="6263999"/>
+          </a:xfrm>
+          <a:prstGeom prst="rect">
+            <a:avLst/>
+          </a:prstGeom>
+          <a:solidFill>
+            <a:srgbClr val="464853"/>
+          </a:solidFill>
+          <a:ln>
+            <a:solidFill>
+              <a:srgbClr val="464853"/>
+            </a:solidFill>
+          </a:ln>
+          <a:effectLst/>
+        </p:spPr>
+        <p:style>
+          <a:lnRef idx="1">
+            <a:schemeClr val="accent1"/>
+          </a:lnRef>
+          <a:fillRef idx="3">
+            <a:schemeClr val="accent1"/>
+          </a:fillRef>
+          <a:effectRef idx="2">
+            <a:schemeClr val="accent1"/>
+          </a:effectRef>
+          <a:fontRef idx="minor">
+            <a:schemeClr val="lt1"/>
+          </a:fontRef>
+        </p:style>
+        <p:txBody>
+          <a:bodyPr rtlCol="0" anchor="ctr"/>
+          <a:lstStyle/>
+          <a:p>
+            <a:pPr algn="ctr"/>
+          </a:p>
+        </p:txBody>
+      </p:sp>
+      <p:sp>
+        <p:nvSpPr>
+          <p:cNvPr id="31" name="Rounded Rectangle 30"/>
+          <p:cNvSpPr/>
+          <p:nvPr/>
+        </p:nvSpPr>
+        <p:spPr>
+          <a:xfrm>
+            <a:off x="7357885" y="471600"/>
+            <a:ext cx="748800" cy="108000"/>
+          </a:xfrm>
+          <a:prstGeom prst="roundRect">
+            <a:avLst/>
+          </a:prstGeom>
+          <a:pattFill prst="dkVert">
+            <a:fgClr>
+              <a:srgbClr val="5E9EEF"/>
+            </a:fgClr>
+            <a:bgClr>
+              <a:srgbClr val="313344"/>
+            </a:bgClr>
+          </a:pattFill>
+          <a:ln w="3810">
+            <a:solidFill>
+              <a:srgbClr val="313344"/>
+            </a:solidFill>
+          </a:ln>
+          <a:effectLst/>
+        </p:spPr>
+        <p:style>
+          <a:lnRef idx="1">
+            <a:schemeClr val="accent1"/>
+          </a:lnRef>
+          <a:fillRef idx="3">
+            <a:schemeClr val="accent1"/>
+          </a:fillRef>
+          <a:effectRef idx="2">
+            <a:schemeClr val="accent1"/>
+          </a:effectRef>
+          <a:fontRef idx="minor">
+            <a:schemeClr val="lt1"/>
+          </a:fontRef>
+        </p:style>
+        <p:txBody>
+          <a:bodyPr rtlCol="0" anchor="ctr"/>
+          <a:lstStyle/>
+          <a:p>
+            <a:pPr algn="ctr"/>
+          </a:p>
+        </p:txBody>
+      </p:sp>
+      <p:sp>
+        <p:nvSpPr>
+          <p:cNvPr id="32" name="TextBox 31"/>
+          <p:cNvSpPr txBox="1"/>
+          <p:nvPr/>
+        </p:nvSpPr>
+        <p:spPr>
+          <a:xfrm>
+            <a:off x="8077885" y="417600"/>
+            <a:ext cx="251999" cy="216000"/>
+          </a:xfrm>
+          <a:prstGeom prst="rect">
+            <a:avLst/>
+          </a:prstGeom>
+          <a:noFill/>
+        </p:spPr>
+        <p:txBody>
+          <a:bodyPr wrap="none">
+            <a:spAutoFit/>
+          </a:bodyPr>
+          <a:lstStyle/>
+          <a:p>
+            <a:pPr>
+              <a:defRPr sz="900">
+                <a:solidFill>
+                  <a:srgbClr val="FFFFFF"/>
+                </a:solidFill>
+                <a:latin typeface="Segoe UI Black"/>
+              </a:defRPr>
+            </a:pPr>
+            <a:r>
+              <a:t>80</a:t>
+            </a:r>
+          </a:p>
+        </p:txBody>
+      </p:sp>
+      <p:sp>
+        <p:nvSpPr>
+          <p:cNvPr id="33" name="TextBox 32"/>
+          <p:cNvSpPr txBox="1"/>
+          <p:nvPr/>
+        </p:nvSpPr>
+        <p:spPr>
+          <a:xfrm>
+            <a:off x="8257885" y="435600"/>
+            <a:ext cx="144000" cy="180000"/>
+          </a:xfrm>
+          <a:prstGeom prst="rect">
+            <a:avLst/>
+          </a:prstGeom>
+          <a:noFill/>
+        </p:spPr>
+        <p:txBody>
+          <a:bodyPr wrap="none">
+            <a:spAutoFit/>
+          </a:bodyPr>
+          <a:lstStyle/>
+          <a:p>
+            <a:pPr>
+              <a:defRPr sz="600">
+                <a:solidFill>
+                  <a:srgbClr val="FFFFFF"/>
+                </a:solidFill>
+                <a:latin typeface="Segoe UI Black"/>
+              </a:defRPr>
+            </a:pPr>
+            <a:r>
+              <a:t>%</a:t>
+            </a:r>
+          </a:p>
+        </p:txBody>
+      </p:sp>
+      <p:sp>
+        <p:nvSpPr>
+          <p:cNvPr id="34" name="Rounded Rectangle 33"/>
+          <p:cNvSpPr/>
+          <p:nvPr/>
+        </p:nvSpPr>
+        <p:spPr>
+          <a:xfrm>
+            <a:off x="8515542" y="183600"/>
+            <a:ext cx="936000" cy="216000"/>
+          </a:xfrm>
+          <a:prstGeom prst="roundRect">
+            <a:avLst/>
+          </a:prstGeom>
+          <a:solidFill>
+            <a:srgbClr val="464853"/>
+          </a:solidFill>
+          <a:ln w="3">
+            <a:solidFill>
+              <a:srgbClr val="464853"/>
+            </a:solidFill>
+          </a:ln>
+          <a:effectLst/>
+        </p:spPr>
+        <p:style>
+          <a:lnRef idx="1">
+            <a:schemeClr val="accent1"/>
+          </a:lnRef>
+          <a:fillRef idx="3">
+            <a:schemeClr val="accent1"/>
+          </a:fillRef>
+          <a:effectRef idx="2">
+            <a:schemeClr val="accent1"/>
+          </a:effectRef>
+          <a:fontRef idx="minor">
+            <a:schemeClr val="lt1"/>
+          </a:fontRef>
+        </p:style>
+        <p:txBody>
+          <a:bodyPr rtlCol="0" anchor="ctr"/>
+          <a:lstStyle/>
+          <a:p>
+            <a:pPr algn="ctr">
+              <a:defRPr sz="1050">
+                <a:solidFill>
+                  <a:srgbClr val="FFFFFF"/>
+                </a:solidFill>
+                <a:latin typeface="Segoe UI Semibold"/>
+              </a:defRPr>
+            </a:pPr>
+            <a:r>
+              <a:t>Q2 2023</a:t>
+            </a:r>
+          </a:p>
+        </p:txBody>
+      </p:sp>
+      <p:sp>
+        <p:nvSpPr>
+          <p:cNvPr id="35" name="Rectangle 34"/>
+          <p:cNvSpPr/>
+          <p:nvPr/>
+        </p:nvSpPr>
+        <p:spPr>
+          <a:xfrm>
+            <a:off x="9573942" y="435599"/>
+            <a:ext cx="1440" cy="6263999"/>
+          </a:xfrm>
+          <a:prstGeom prst="rect">
+            <a:avLst/>
+          </a:prstGeom>
+          <a:solidFill>
+            <a:srgbClr val="464853"/>
+          </a:solidFill>
+          <a:ln>
+            <a:solidFill>
+              <a:srgbClr val="464853"/>
+            </a:solidFill>
+          </a:ln>
+          <a:effectLst/>
+        </p:spPr>
+        <p:style>
+          <a:lnRef idx="1">
+            <a:schemeClr val="accent1"/>
+          </a:lnRef>
+          <a:fillRef idx="3">
+            <a:schemeClr val="accent1"/>
+          </a:fillRef>
+          <a:effectRef idx="2">
+            <a:schemeClr val="accent1"/>
+          </a:effectRef>
+          <a:fontRef idx="minor">
+            <a:schemeClr val="lt1"/>
+          </a:fontRef>
+        </p:style>
+        <p:txBody>
+          <a:bodyPr rtlCol="0" anchor="ctr"/>
+          <a:lstStyle/>
+          <a:p>
+            <a:pPr algn="ctr"/>
+          </a:p>
+        </p:txBody>
+      </p:sp>
+      <p:sp>
+        <p:nvSpPr>
+          <p:cNvPr id="36" name="Rounded Rectangle 35"/>
+          <p:cNvSpPr/>
+          <p:nvPr/>
+        </p:nvSpPr>
+        <p:spPr>
+          <a:xfrm>
+            <a:off x="8515542" y="471600"/>
+            <a:ext cx="936000" cy="108000"/>
+          </a:xfrm>
+          <a:prstGeom prst="roundRect">
+            <a:avLst/>
+          </a:prstGeom>
+          <a:pattFill prst="dkVert">
+            <a:fgClr>
+              <a:srgbClr val="5E9EEF"/>
+            </a:fgClr>
+            <a:bgClr>
+              <a:srgbClr val="313344"/>
+            </a:bgClr>
+          </a:pattFill>
+          <a:ln w="3810">
+            <a:solidFill>
+              <a:srgbClr val="313344"/>
+            </a:solidFill>
+          </a:ln>
+          <a:effectLst/>
+        </p:spPr>
+        <p:style>
+          <a:lnRef idx="1">
+            <a:schemeClr val="accent1"/>
+          </a:lnRef>
+          <a:fillRef idx="3">
+            <a:schemeClr val="accent1"/>
+          </a:fillRef>
+          <a:effectRef idx="2">
+            <a:schemeClr val="accent1"/>
+          </a:effectRef>
+          <a:fontRef idx="minor">
+            <a:schemeClr val="lt1"/>
+          </a:fontRef>
+        </p:style>
+        <p:txBody>
+          <a:bodyPr rtlCol="0" anchor="ctr"/>
+          <a:lstStyle/>
+          <a:p>
+            <a:pPr algn="ctr"/>
+          </a:p>
+        </p:txBody>
+      </p:sp>
+      <p:sp>
+        <p:nvSpPr>
+          <p:cNvPr id="37" name="TextBox 36"/>
+          <p:cNvSpPr txBox="1"/>
+          <p:nvPr/>
+        </p:nvSpPr>
+        <p:spPr>
+          <a:xfrm>
+            <a:off x="9235542" y="417600"/>
+            <a:ext cx="251999" cy="216000"/>
+          </a:xfrm>
+          <a:prstGeom prst="rect">
+            <a:avLst/>
+          </a:prstGeom>
+          <a:noFill/>
+        </p:spPr>
+        <p:txBody>
+          <a:bodyPr wrap="none">
+            <a:spAutoFit/>
+          </a:bodyPr>
+          <a:lstStyle/>
+          <a:p>
+            <a:pPr>
+              <a:defRPr sz="900">
+                <a:solidFill>
+                  <a:srgbClr val="FFFFFF"/>
+                </a:solidFill>
+                <a:latin typeface="Segoe UI Black"/>
+              </a:defRPr>
+            </a:pPr>
+            <a:r>
+              <a:t>100</a:t>
+            </a:r>
+          </a:p>
+        </p:txBody>
+      </p:sp>
+      <p:sp>
+        <p:nvSpPr>
+          <p:cNvPr id="38" name="TextBox 37"/>
+          <p:cNvSpPr txBox="1"/>
+          <p:nvPr/>
+        </p:nvSpPr>
+        <p:spPr>
+          <a:xfrm>
+            <a:off x="9415542" y="435600"/>
+            <a:ext cx="144000" cy="180000"/>
+          </a:xfrm>
+          <a:prstGeom prst="rect">
+            <a:avLst/>
+          </a:prstGeom>
+          <a:noFill/>
+        </p:spPr>
+        <p:txBody>
+          <a:bodyPr wrap="none">
+            <a:spAutoFit/>
+          </a:bodyPr>
+          <a:lstStyle/>
+          <a:p>
+            <a:pPr>
+              <a:defRPr sz="600">
+                <a:solidFill>
+                  <a:srgbClr val="FFFFFF"/>
+                </a:solidFill>
+                <a:latin typeface="Segoe UI Black"/>
+              </a:defRPr>
+            </a:pPr>
+            <a:r>
+              <a:t>%</a:t>
+            </a:r>
+          </a:p>
+        </p:txBody>
+      </p:sp>
+      <p:sp>
+        <p:nvSpPr>
+          <p:cNvPr id="39" name="Rounded Rectangle 38"/>
           <p:cNvSpPr/>
           <p:nvPr/>
         </p:nvSpPr>
@@ -13867,7 +14113,7 @@
       </p:sp>
       <p:sp>
         <p:nvSpPr>
-          <p:cNvPr id="34" name="Rounded Rectangle 33"/>
+          <p:cNvPr id="40" name="Rounded Rectangle 39"/>
           <p:cNvSpPr/>
           <p:nvPr/>
         </p:nvSpPr>
@@ -13912,7 +14158,7 @@
       </p:sp>
       <p:sp>
         <p:nvSpPr>
-          <p:cNvPr id="35" name="TextBox 34">
+          <p:cNvPr id="41" name="TextBox 40">
             <a:hlinkClick action="ppaction://hlinksldjump" r:id="rId2"/>
           </p:cNvPr>
           <p:cNvSpPr txBox="1"/>
@@ -13950,7 +14196,7 @@
       </p:sp>
       <p:sp>
         <p:nvSpPr>
-          <p:cNvPr id="36" name="TextBox 35">
+          <p:cNvPr id="42" name="TextBox 41">
             <a:hlinkClick action="ppaction://hlinksldjump" r:id="rId2"/>
           </p:cNvPr>
           <p:cNvSpPr txBox="1"/>
@@ -13988,7 +14234,7 @@
       </p:sp>
       <p:sp>
         <p:nvSpPr>
-          <p:cNvPr id="37" name="TextBox 36">
+          <p:cNvPr id="43" name="TextBox 42">
             <a:hlinkClick action="ppaction://hlinksldjump" r:id="rId2"/>
           </p:cNvPr>
           <p:cNvSpPr txBox="1"/>
@@ -14039,7 +14285,7 @@
       </p:sp>
       <p:pic>
         <p:nvPicPr>
-          <p:cNvPr id="38" name="Picture 37" descr="oppened.png">
+          <p:cNvPr id="44" name="Picture 43" descr="oppened.png">
             <a:hlinkClick action="ppaction://hlinksldjump" r:id="rId2"/>
           </p:cNvPr>
           <p:cNvPicPr>
@@ -14065,14 +14311,14 @@
       </p:pic>
       <p:sp>
         <p:nvSpPr>
-          <p:cNvPr id="39" name="Rounded Rectangle 38"/>
+          <p:cNvPr id="45" name="Rounded Rectangle 44"/>
           <p:cNvSpPr/>
           <p:nvPr/>
         </p:nvSpPr>
         <p:spPr>
           <a:xfrm>
-            <a:off x="3942000" y="1058400"/>
-            <a:ext cx="4892400" cy="2865589"/>
+            <a:off x="1890000" y="1058400"/>
+            <a:ext cx="7286400" cy="2865589"/>
           </a:xfrm>
           <a:prstGeom prst="roundRect">
             <a:avLst>
@@ -14113,14 +14359,14 @@
       </p:sp>
       <p:sp>
         <p:nvSpPr>
-          <p:cNvPr id="40" name="Rounded Rectangle 39"/>
+          <p:cNvPr id="46" name="Rounded Rectangle 45"/>
           <p:cNvSpPr/>
           <p:nvPr/>
         </p:nvSpPr>
         <p:spPr>
           <a:xfrm>
-            <a:off x="3992400" y="1108800"/>
-            <a:ext cx="4788000" cy="2771989"/>
+            <a:off x="1940400" y="1108800"/>
+            <a:ext cx="7182000" cy="2771989"/>
           </a:xfrm>
           <a:prstGeom prst="roundRect">
             <a:avLst>
@@ -14161,13 +14407,13 @@
       </p:sp>
       <p:sp>
         <p:nvSpPr>
-          <p:cNvPr id="41" name="Rounded Rectangle 40"/>
+          <p:cNvPr id="47" name="Rounded Rectangle 46"/>
           <p:cNvSpPr/>
           <p:nvPr/>
         </p:nvSpPr>
         <p:spPr>
           <a:xfrm>
-            <a:off x="5094000" y="1234799"/>
+            <a:off x="3041999" y="1234799"/>
             <a:ext cx="1368000" cy="154800"/>
           </a:xfrm>
           <a:prstGeom prst="roundRect">
@@ -14207,13 +14453,13 @@
       </p:sp>
       <p:sp>
         <p:nvSpPr>
-          <p:cNvPr id="42" name="TextBox 41"/>
+          <p:cNvPr id="48" name="TextBox 47"/>
           <p:cNvSpPr txBox="1"/>
           <p:nvPr/>
         </p:nvSpPr>
         <p:spPr>
           <a:xfrm>
-            <a:off x="6534000" y="1198799"/>
+            <a:off x="4481999" y="1198799"/>
             <a:ext cx="777600" cy="154800"/>
           </a:xfrm>
           <a:prstGeom prst="rect">
@@ -14245,13 +14491,13 @@
       </p:sp>
       <p:sp>
         <p:nvSpPr>
-          <p:cNvPr id="43" name="Rounded Rectangle 42"/>
+          <p:cNvPr id="49" name="Rounded Rectangle 48"/>
           <p:cNvSpPr/>
           <p:nvPr/>
         </p:nvSpPr>
         <p:spPr>
           <a:xfrm>
-            <a:off x="5094000" y="1468799"/>
+            <a:off x="3041999" y="1468799"/>
             <a:ext cx="684000" cy="154800"/>
           </a:xfrm>
           <a:prstGeom prst="roundRect">
@@ -14291,13 +14537,13 @@
       </p:sp>
       <p:sp>
         <p:nvSpPr>
-          <p:cNvPr id="44" name="TextBox 43"/>
+          <p:cNvPr id="50" name="TextBox 49"/>
           <p:cNvSpPr txBox="1"/>
           <p:nvPr/>
         </p:nvSpPr>
         <p:spPr>
           <a:xfrm>
-            <a:off x="5850000" y="1432799"/>
+            <a:off x="3797999" y="1432799"/>
             <a:ext cx="777600" cy="154800"/>
           </a:xfrm>
           <a:prstGeom prst="rect">
@@ -14329,13 +14575,13 @@
       </p:sp>
       <p:sp>
         <p:nvSpPr>
-          <p:cNvPr id="45" name="Rounded Rectangle 44"/>
+          <p:cNvPr id="51" name="Rounded Rectangle 50"/>
           <p:cNvSpPr/>
           <p:nvPr/>
         </p:nvSpPr>
         <p:spPr>
           <a:xfrm>
-            <a:off x="5094000" y="1702799"/>
+            <a:off x="3041999" y="1702799"/>
             <a:ext cx="342000" cy="154800"/>
           </a:xfrm>
           <a:prstGeom prst="roundRect">
@@ -14375,13 +14621,13 @@
       </p:sp>
       <p:sp>
         <p:nvSpPr>
-          <p:cNvPr id="46" name="TextBox 45"/>
+          <p:cNvPr id="52" name="TextBox 51"/>
           <p:cNvSpPr txBox="1"/>
           <p:nvPr/>
         </p:nvSpPr>
         <p:spPr>
           <a:xfrm>
-            <a:off x="5508000" y="1666799"/>
+            <a:off x="3455999" y="1666799"/>
             <a:ext cx="259200" cy="154800"/>
           </a:xfrm>
           <a:prstGeom prst="rect">
@@ -14413,13 +14659,13 @@
       </p:sp>
       <p:sp>
         <p:nvSpPr>
-          <p:cNvPr id="47" name="Rounded Rectangle 46"/>
+          <p:cNvPr id="53" name="Rounded Rectangle 52"/>
           <p:cNvSpPr/>
           <p:nvPr/>
         </p:nvSpPr>
         <p:spPr>
           <a:xfrm>
-            <a:off x="5094000" y="1936799"/>
+            <a:off x="3041999" y="1936799"/>
             <a:ext cx="342000" cy="154800"/>
           </a:xfrm>
           <a:prstGeom prst="roundRect">
@@ -14459,13 +14705,13 @@
       </p:sp>
       <p:sp>
         <p:nvSpPr>
-          <p:cNvPr id="48" name="TextBox 47"/>
+          <p:cNvPr id="54" name="TextBox 53"/>
           <p:cNvSpPr txBox="1"/>
           <p:nvPr/>
         </p:nvSpPr>
         <p:spPr>
           <a:xfrm>
-            <a:off x="5508000" y="1900799"/>
+            <a:off x="3455999" y="1900799"/>
             <a:ext cx="842400" cy="154800"/>
           </a:xfrm>
           <a:prstGeom prst="rect">
@@ -14497,13 +14743,13 @@
       </p:sp>
       <p:sp>
         <p:nvSpPr>
-          <p:cNvPr id="49" name="Rounded Rectangle 48"/>
+          <p:cNvPr id="55" name="Rounded Rectangle 54"/>
           <p:cNvSpPr/>
           <p:nvPr/>
         </p:nvSpPr>
         <p:spPr>
           <a:xfrm>
-            <a:off x="5094000" y="2170799"/>
+            <a:off x="3041999" y="2170799"/>
             <a:ext cx="342000" cy="154800"/>
           </a:xfrm>
           <a:prstGeom prst="roundRect">
@@ -14543,13 +14789,13 @@
       </p:sp>
       <p:sp>
         <p:nvSpPr>
-          <p:cNvPr id="50" name="TextBox 49"/>
+          <p:cNvPr id="56" name="TextBox 55"/>
           <p:cNvSpPr txBox="1"/>
           <p:nvPr/>
         </p:nvSpPr>
         <p:spPr>
           <a:xfrm>
-            <a:off x="5508000" y="2134799"/>
+            <a:off x="3455999" y="2134799"/>
             <a:ext cx="712800" cy="154800"/>
           </a:xfrm>
           <a:prstGeom prst="rect">
@@ -14581,13 +14827,13 @@
       </p:sp>
       <p:sp>
         <p:nvSpPr>
-          <p:cNvPr id="51" name="Rounded Rectangle 50"/>
+          <p:cNvPr id="57" name="Rounded Rectangle 56"/>
           <p:cNvSpPr/>
           <p:nvPr/>
         </p:nvSpPr>
         <p:spPr>
           <a:xfrm>
-            <a:off x="5094000" y="2404799"/>
+            <a:off x="3041999" y="2404799"/>
             <a:ext cx="1368000" cy="154800"/>
           </a:xfrm>
           <a:prstGeom prst="roundRect">
@@ -14627,13 +14873,13 @@
       </p:sp>
       <p:sp>
         <p:nvSpPr>
-          <p:cNvPr id="52" name="TextBox 51"/>
+          <p:cNvPr id="58" name="TextBox 57"/>
           <p:cNvSpPr txBox="1"/>
           <p:nvPr/>
         </p:nvSpPr>
         <p:spPr>
           <a:xfrm>
-            <a:off x="6534000" y="2368799"/>
+            <a:off x="4481999" y="2368799"/>
             <a:ext cx="518400" cy="154800"/>
           </a:xfrm>
           <a:prstGeom prst="rect">
@@ -14665,13 +14911,13 @@
       </p:sp>
       <p:sp>
         <p:nvSpPr>
-          <p:cNvPr id="53" name="Rounded Rectangle 52"/>
+          <p:cNvPr id="59" name="Rounded Rectangle 58"/>
           <p:cNvSpPr/>
           <p:nvPr/>
         </p:nvSpPr>
         <p:spPr>
           <a:xfrm>
-            <a:off x="5436000" y="2638799"/>
+            <a:off x="3383999" y="2638799"/>
             <a:ext cx="684000" cy="154800"/>
           </a:xfrm>
           <a:prstGeom prst="roundRect">
@@ -14711,13 +14957,13 @@
       </p:sp>
       <p:sp>
         <p:nvSpPr>
-          <p:cNvPr id="54" name="TextBox 53"/>
+          <p:cNvPr id="60" name="TextBox 59"/>
           <p:cNvSpPr txBox="1"/>
           <p:nvPr/>
         </p:nvSpPr>
         <p:spPr>
           <a:xfrm>
-            <a:off x="6192000" y="2602799"/>
+            <a:off x="4139999" y="2602799"/>
             <a:ext cx="194400" cy="154800"/>
           </a:xfrm>
           <a:prstGeom prst="rect">
@@ -14749,13 +14995,13 @@
       </p:sp>
       <p:sp>
         <p:nvSpPr>
-          <p:cNvPr id="55" name="Rounded Rectangle 54"/>
+          <p:cNvPr id="61" name="Rounded Rectangle 60"/>
           <p:cNvSpPr/>
           <p:nvPr/>
         </p:nvSpPr>
         <p:spPr>
           <a:xfrm>
-            <a:off x="5436000" y="2872799"/>
+            <a:off x="3383999" y="2872799"/>
             <a:ext cx="684000" cy="154800"/>
           </a:xfrm>
           <a:prstGeom prst="roundRect">
@@ -14795,13 +15041,13 @@
       </p:sp>
       <p:sp>
         <p:nvSpPr>
-          <p:cNvPr id="56" name="TextBox 55"/>
+          <p:cNvPr id="62" name="TextBox 61"/>
           <p:cNvSpPr txBox="1"/>
           <p:nvPr/>
         </p:nvSpPr>
         <p:spPr>
           <a:xfrm>
-            <a:off x="6192000" y="2836799"/>
+            <a:off x="4139999" y="2836799"/>
             <a:ext cx="194400" cy="154800"/>
           </a:xfrm>
           <a:prstGeom prst="rect">
@@ -14833,13 +15079,13 @@
       </p:sp>
       <p:sp>
         <p:nvSpPr>
-          <p:cNvPr id="57" name="Rounded Rectangle 56"/>
+          <p:cNvPr id="63" name="Rounded Rectangle 62"/>
           <p:cNvSpPr/>
           <p:nvPr/>
         </p:nvSpPr>
         <p:spPr>
           <a:xfrm>
-            <a:off x="5436000" y="3106799"/>
+            <a:off x="3383999" y="3106799"/>
             <a:ext cx="684000" cy="154800"/>
           </a:xfrm>
           <a:prstGeom prst="roundRect">
@@ -14879,13 +15125,13 @@
       </p:sp>
       <p:sp>
         <p:nvSpPr>
-          <p:cNvPr id="58" name="TextBox 57"/>
+          <p:cNvPr id="64" name="TextBox 63"/>
           <p:cNvSpPr txBox="1"/>
           <p:nvPr/>
         </p:nvSpPr>
         <p:spPr>
           <a:xfrm>
-            <a:off x="6192000" y="3070799"/>
+            <a:off x="4139999" y="3070799"/>
             <a:ext cx="518400" cy="154800"/>
           </a:xfrm>
           <a:prstGeom prst="rect">
@@ -14917,14 +15163,14 @@
       </p:sp>
       <p:sp>
         <p:nvSpPr>
-          <p:cNvPr id="59" name="Rounded Rectangle 58"/>
+          <p:cNvPr id="65" name="Rounded Rectangle 64"/>
           <p:cNvSpPr/>
           <p:nvPr/>
         </p:nvSpPr>
         <p:spPr>
           <a:xfrm>
-            <a:off x="5265000" y="3340799"/>
-            <a:ext cx="1026000" cy="154800"/>
+            <a:off x="3212999" y="3340799"/>
+            <a:ext cx="1025999" cy="154800"/>
           </a:xfrm>
           <a:prstGeom prst="roundRect">
             <a:avLst/>
@@ -14963,13 +15209,13 @@
       </p:sp>
       <p:sp>
         <p:nvSpPr>
-          <p:cNvPr id="60" name="TextBox 59"/>
+          <p:cNvPr id="66" name="TextBox 65"/>
           <p:cNvSpPr txBox="1"/>
           <p:nvPr/>
         </p:nvSpPr>
         <p:spPr>
           <a:xfrm>
-            <a:off x="6363000" y="3304799"/>
+            <a:off x="4310998" y="3304799"/>
             <a:ext cx="518400" cy="154800"/>
           </a:xfrm>
           <a:prstGeom prst="rect">
@@ -15001,13 +15247,13 @@
       </p:sp>
       <p:sp>
         <p:nvSpPr>
-          <p:cNvPr id="61" name="Rounded Rectangle 60"/>
+          <p:cNvPr id="67" name="Rounded Rectangle 66"/>
           <p:cNvSpPr/>
           <p:nvPr/>
         </p:nvSpPr>
         <p:spPr>
           <a:xfrm>
-            <a:off x="5607000" y="3574799"/>
+            <a:off x="3555000" y="3574799"/>
             <a:ext cx="342000" cy="154800"/>
           </a:xfrm>
           <a:prstGeom prst="roundRect">
@@ -15047,13 +15293,13 @@
       </p:sp>
       <p:sp>
         <p:nvSpPr>
-          <p:cNvPr id="62" name="TextBox 61"/>
+          <p:cNvPr id="68" name="TextBox 67"/>
           <p:cNvSpPr txBox="1"/>
           <p:nvPr/>
         </p:nvSpPr>
         <p:spPr>
           <a:xfrm>
-            <a:off x="6021000" y="3538799"/>
+            <a:off x="3969000" y="3538799"/>
             <a:ext cx="518400" cy="154800"/>
           </a:xfrm>
           <a:prstGeom prst="rect">
@@ -15085,7 +15331,7 @@
       </p:sp>
       <p:sp>
         <p:nvSpPr>
-          <p:cNvPr id="64" name="Rounded Rectangle 63"/>
+          <p:cNvPr id="70" name="Rounded Rectangle 69"/>
           <p:cNvSpPr/>
           <p:nvPr/>
         </p:nvSpPr>
@@ -15130,7 +15376,7 @@
       </p:sp>
       <p:sp>
         <p:nvSpPr>
-          <p:cNvPr id="65" name="TextBox 64">
+          <p:cNvPr id="71" name="TextBox 70">
             <a:hlinkClick action="ppaction://hlinksldjump" r:id="rId4"/>
           </p:cNvPr>
           <p:cNvSpPr txBox="1"/>
@@ -15168,7 +15414,7 @@
       </p:sp>
       <p:sp>
         <p:nvSpPr>
-          <p:cNvPr id="66" name="TextBox 65">
+          <p:cNvPr id="72" name="TextBox 71">
             <a:hlinkClick action="ppaction://hlinksldjump" r:id="rId4"/>
           </p:cNvPr>
           <p:cNvSpPr txBox="1"/>
@@ -15206,7 +15452,7 @@
       </p:sp>
       <p:sp>
         <p:nvSpPr>
-          <p:cNvPr id="67" name="TextBox 66">
+          <p:cNvPr id="73" name="TextBox 72">
             <a:hlinkClick action="ppaction://hlinksldjump" r:id="rId4"/>
           </p:cNvPr>
           <p:cNvSpPr txBox="1"/>
@@ -15257,7 +15503,7 @@
       </p:sp>
       <p:sp>
         <p:nvSpPr>
-          <p:cNvPr id="68" name="Rounded Rectangle 67">
+          <p:cNvPr id="74" name="Rounded Rectangle 73">
             <a:hlinkClick action="ppaction://hlinksldjump" r:id="rId4"/>
           </p:cNvPr>
           <p:cNvSpPr/>
@@ -15304,7 +15550,7 @@
       </p:sp>
       <p:pic>
         <p:nvPicPr>
-          <p:cNvPr id="69" name="Picture 68" descr="point1.png">
+          <p:cNvPr id="75" name="Picture 74" descr="point1.png">
             <a:hlinkClick action="ppaction://hlinksldjump" r:id="rId4"/>
           </p:cNvPr>
           <p:cNvPicPr>
@@ -15330,7 +15576,7 @@
       </p:pic>
       <p:sp>
         <p:nvSpPr>
-          <p:cNvPr id="71" name="Rounded Rectangle 70"/>
+          <p:cNvPr id="77" name="Rounded Rectangle 76"/>
           <p:cNvSpPr/>
           <p:nvPr/>
         </p:nvSpPr>
@@ -15375,7 +15621,7 @@
       </p:sp>
       <p:sp>
         <p:nvSpPr>
-          <p:cNvPr id="72" name="TextBox 71">
+          <p:cNvPr id="78" name="TextBox 77">
             <a:hlinkClick action="ppaction://hlinksldjump" r:id="rId6"/>
           </p:cNvPr>
           <p:cNvSpPr txBox="1"/>
@@ -15413,7 +15659,7 @@
       </p:sp>
       <p:sp>
         <p:nvSpPr>
-          <p:cNvPr id="73" name="TextBox 72">
+          <p:cNvPr id="79" name="TextBox 78">
             <a:hlinkClick action="ppaction://hlinksldjump" r:id="rId6"/>
           </p:cNvPr>
           <p:cNvSpPr txBox="1"/>
@@ -15451,7 +15697,7 @@
       </p:sp>
       <p:sp>
         <p:nvSpPr>
-          <p:cNvPr id="74" name="TextBox 73">
+          <p:cNvPr id="80" name="TextBox 79">
             <a:hlinkClick action="ppaction://hlinksldjump" r:id="rId6"/>
           </p:cNvPr>
           <p:cNvSpPr txBox="1"/>
@@ -15502,7 +15748,7 @@
       </p:sp>
       <p:sp>
         <p:nvSpPr>
-          <p:cNvPr id="75" name="Rounded Rectangle 74">
+          <p:cNvPr id="81" name="Rounded Rectangle 80">
             <a:hlinkClick action="ppaction://hlinksldjump" r:id="rId6"/>
           </p:cNvPr>
           <p:cNvSpPr/>
@@ -15549,7 +15795,7 @@
       </p:sp>
       <p:pic>
         <p:nvPicPr>
-          <p:cNvPr id="76" name="Picture 75" descr="point1.png">
+          <p:cNvPr id="82" name="Picture 81" descr="point1.png">
             <a:hlinkClick action="ppaction://hlinksldjump" r:id="rId6"/>
           </p:cNvPr>
           <p:cNvPicPr>
@@ -15575,7 +15821,7 @@
       </p:pic>
       <p:sp>
         <p:nvSpPr>
-          <p:cNvPr id="78" name="Rounded Rectangle 77"/>
+          <p:cNvPr id="84" name="Rounded Rectangle 83"/>
           <p:cNvSpPr/>
           <p:nvPr/>
         </p:nvSpPr>
@@ -15620,7 +15866,7 @@
       </p:sp>
       <p:sp>
         <p:nvSpPr>
-          <p:cNvPr id="79" name="TextBox 78">
+          <p:cNvPr id="85" name="TextBox 84">
             <a:hlinkClick action="ppaction://hlinksldjump" r:id="rId7"/>
           </p:cNvPr>
           <p:cNvSpPr txBox="1"/>
@@ -15658,7 +15904,7 @@
       </p:sp>
       <p:sp>
         <p:nvSpPr>
-          <p:cNvPr id="80" name="TextBox 79">
+          <p:cNvPr id="86" name="TextBox 85">
             <a:hlinkClick action="ppaction://hlinksldjump" r:id="rId7"/>
           </p:cNvPr>
           <p:cNvSpPr txBox="1"/>
@@ -15696,7 +15942,7 @@
       </p:sp>
       <p:sp>
         <p:nvSpPr>
-          <p:cNvPr id="81" name="TextBox 80">
+          <p:cNvPr id="87" name="TextBox 86">
             <a:hlinkClick action="ppaction://hlinksldjump" r:id="rId7"/>
           </p:cNvPr>
           <p:cNvSpPr txBox="1"/>
@@ -15747,7 +15993,7 @@
       </p:sp>
       <p:sp>
         <p:nvSpPr>
-          <p:cNvPr id="82" name="Rounded Rectangle 81">
+          <p:cNvPr id="88" name="Rounded Rectangle 87">
             <a:hlinkClick action="ppaction://hlinksldjump" r:id="rId7"/>
           </p:cNvPr>
           <p:cNvSpPr/>
@@ -15794,7 +16040,7 @@
       </p:sp>
       <p:pic>
         <p:nvPicPr>
-          <p:cNvPr id="83" name="Picture 82" descr="point1.png">
+          <p:cNvPr id="89" name="Picture 88" descr="point1.png">
             <a:hlinkClick action="ppaction://hlinksldjump" r:id="rId7"/>
           </p:cNvPr>
           <p:cNvPicPr>
@@ -15820,7 +16066,7 @@
       </p:pic>
       <p:sp>
         <p:nvSpPr>
-          <p:cNvPr id="85" name="Rounded Rectangle 84"/>
+          <p:cNvPr id="91" name="Rounded Rectangle 90"/>
           <p:cNvSpPr/>
           <p:nvPr/>
         </p:nvSpPr>
@@ -15865,7 +16111,7 @@
       </p:sp>
       <p:sp>
         <p:nvSpPr>
-          <p:cNvPr id="86" name="TextBox 85">
+          <p:cNvPr id="92" name="TextBox 91">
             <a:hlinkClick action="ppaction://hlinksldjump" r:id="rId8"/>
           </p:cNvPr>
           <p:cNvSpPr txBox="1"/>
@@ -15903,7 +16149,7 @@
       </p:sp>
       <p:sp>
         <p:nvSpPr>
-          <p:cNvPr id="87" name="TextBox 86">
+          <p:cNvPr id="93" name="TextBox 92">
             <a:hlinkClick action="ppaction://hlinksldjump" r:id="rId8"/>
           </p:cNvPr>
           <p:cNvSpPr txBox="1"/>
@@ -15941,7 +16187,7 @@
       </p:sp>
       <p:sp>
         <p:nvSpPr>
-          <p:cNvPr id="88" name="TextBox 87">
+          <p:cNvPr id="94" name="TextBox 93">
             <a:hlinkClick action="ppaction://hlinksldjump" r:id="rId8"/>
           </p:cNvPr>
           <p:cNvSpPr txBox="1"/>
@@ -15992,7 +16238,7 @@
       </p:sp>
       <p:sp>
         <p:nvSpPr>
-          <p:cNvPr id="89" name="Rounded Rectangle 88">
+          <p:cNvPr id="95" name="Rounded Rectangle 94">
             <a:hlinkClick action="ppaction://hlinksldjump" r:id="rId8"/>
           </p:cNvPr>
           <p:cNvSpPr/>
@@ -16039,7 +16285,7 @@
       </p:sp>
       <p:pic>
         <p:nvPicPr>
-          <p:cNvPr id="90" name="Picture 89" descr="point1.png">
+          <p:cNvPr id="96" name="Picture 95" descr="point1.png">
             <a:hlinkClick action="ppaction://hlinksldjump" r:id="rId8"/>
           </p:cNvPr>
           <p:cNvPicPr>
@@ -16294,8 +16540,8 @@
         </p:nvSpPr>
         <p:spPr>
           <a:xfrm>
-            <a:off x="3992400" y="1108800"/>
-            <a:ext cx="4788000" cy="813599"/>
+            <a:off x="1940400" y="1108800"/>
+            <a:ext cx="7182000" cy="813599"/>
           </a:xfrm>
           <a:prstGeom prst="roundRect">
             <a:avLst>
@@ -18196,7 +18442,7 @@
         </p:nvSpPr>
         <p:spPr>
           <a:xfrm>
-            <a:off x="3942000" y="2138400"/>
+            <a:off x="3941999" y="2138400"/>
             <a:ext cx="4892400" cy="2865589"/>
           </a:xfrm>
           <a:prstGeom prst="roundRect">
@@ -18292,7 +18538,7 @@
         </p:nvSpPr>
         <p:spPr>
           <a:xfrm>
-            <a:off x="5094000" y="2314799"/>
+            <a:off x="5093999" y="2314799"/>
             <a:ext cx="1368000" cy="154800"/>
           </a:xfrm>
           <a:prstGeom prst="roundRect">
@@ -18338,7 +18584,7 @@
         </p:nvSpPr>
         <p:spPr>
           <a:xfrm>
-            <a:off x="6534000" y="2278799"/>
+            <a:off x="6533999" y="2278799"/>
             <a:ext cx="777600" cy="154800"/>
           </a:xfrm>
           <a:prstGeom prst="rect">
@@ -18376,7 +18622,7 @@
         </p:nvSpPr>
         <p:spPr>
           <a:xfrm>
-            <a:off x="5094000" y="2548799"/>
+            <a:off x="5093999" y="2548799"/>
             <a:ext cx="684000" cy="154800"/>
           </a:xfrm>
           <a:prstGeom prst="roundRect">
@@ -18422,7 +18668,7 @@
         </p:nvSpPr>
         <p:spPr>
           <a:xfrm>
-            <a:off x="5850000" y="2512799"/>
+            <a:off x="5849999" y="2512799"/>
             <a:ext cx="777600" cy="154800"/>
           </a:xfrm>
           <a:prstGeom prst="rect">
@@ -18460,7 +18706,7 @@
         </p:nvSpPr>
         <p:spPr>
           <a:xfrm>
-            <a:off x="5094000" y="2782799"/>
+            <a:off x="5093999" y="2782799"/>
             <a:ext cx="342000" cy="154800"/>
           </a:xfrm>
           <a:prstGeom prst="roundRect">
@@ -18506,7 +18752,7 @@
         </p:nvSpPr>
         <p:spPr>
           <a:xfrm>
-            <a:off x="5508000" y="2746799"/>
+            <a:off x="5507999" y="2746799"/>
             <a:ext cx="259200" cy="154800"/>
           </a:xfrm>
           <a:prstGeom prst="rect">
@@ -18544,7 +18790,7 @@
         </p:nvSpPr>
         <p:spPr>
           <a:xfrm>
-            <a:off x="5094000" y="3016799"/>
+            <a:off x="5093999" y="3016799"/>
             <a:ext cx="342000" cy="154800"/>
           </a:xfrm>
           <a:prstGeom prst="roundRect">
@@ -18590,7 +18836,7 @@
         </p:nvSpPr>
         <p:spPr>
           <a:xfrm>
-            <a:off x="5508000" y="2980799"/>
+            <a:off x="5507999" y="2980799"/>
             <a:ext cx="842400" cy="154800"/>
           </a:xfrm>
           <a:prstGeom prst="rect">
@@ -18628,7 +18874,7 @@
         </p:nvSpPr>
         <p:spPr>
           <a:xfrm>
-            <a:off x="5094000" y="3250799"/>
+            <a:off x="5093999" y="3250799"/>
             <a:ext cx="342000" cy="154800"/>
           </a:xfrm>
           <a:prstGeom prst="roundRect">
@@ -18674,7 +18920,7 @@
         </p:nvSpPr>
         <p:spPr>
           <a:xfrm>
-            <a:off x="5508000" y="3214799"/>
+            <a:off x="5507999" y="3214799"/>
             <a:ext cx="712800" cy="154800"/>
           </a:xfrm>
           <a:prstGeom prst="rect">
@@ -18712,7 +18958,7 @@
         </p:nvSpPr>
         <p:spPr>
           <a:xfrm>
-            <a:off x="5094000" y="3484799"/>
+            <a:off x="5093999" y="3484799"/>
             <a:ext cx="1368000" cy="154800"/>
           </a:xfrm>
           <a:prstGeom prst="roundRect">
@@ -18758,7 +19004,7 @@
         </p:nvSpPr>
         <p:spPr>
           <a:xfrm>
-            <a:off x="6534000" y="3448799"/>
+            <a:off x="6533999" y="3448799"/>
             <a:ext cx="518400" cy="154800"/>
           </a:xfrm>
           <a:prstGeom prst="rect">
@@ -18796,7 +19042,7 @@
         </p:nvSpPr>
         <p:spPr>
           <a:xfrm>
-            <a:off x="5436000" y="3718799"/>
+            <a:off x="5435999" y="3718799"/>
             <a:ext cx="684000" cy="154800"/>
           </a:xfrm>
           <a:prstGeom prst="roundRect">
@@ -18842,7 +19088,7 @@
         </p:nvSpPr>
         <p:spPr>
           <a:xfrm>
-            <a:off x="6192000" y="3682799"/>
+            <a:off x="6191999" y="3682799"/>
             <a:ext cx="518400" cy="154800"/>
           </a:xfrm>
           <a:prstGeom prst="rect">
@@ -18880,7 +19126,7 @@
         </p:nvSpPr>
         <p:spPr>
           <a:xfrm>
-            <a:off x="5436000" y="3952799"/>
+            <a:off x="5435999" y="3952799"/>
             <a:ext cx="684000" cy="154800"/>
           </a:xfrm>
           <a:prstGeom prst="roundRect">
@@ -18926,7 +19172,7 @@
         </p:nvSpPr>
         <p:spPr>
           <a:xfrm>
-            <a:off x="6192000" y="3916799"/>
+            <a:off x="6191999" y="3916799"/>
             <a:ext cx="518400" cy="154800"/>
           </a:xfrm>
           <a:prstGeom prst="rect">
@@ -18964,7 +19210,7 @@
         </p:nvSpPr>
         <p:spPr>
           <a:xfrm>
-            <a:off x="5436000" y="4186799"/>
+            <a:off x="5435999" y="4186799"/>
             <a:ext cx="684000" cy="154800"/>
           </a:xfrm>
           <a:prstGeom prst="roundRect">
@@ -19010,7 +19256,7 @@
         </p:nvSpPr>
         <p:spPr>
           <a:xfrm>
-            <a:off x="6192000" y="4150799"/>
+            <a:off x="6191999" y="4150799"/>
             <a:ext cx="518400" cy="154800"/>
           </a:xfrm>
           <a:prstGeom prst="rect">
@@ -19048,8 +19294,8 @@
         </p:nvSpPr>
         <p:spPr>
           <a:xfrm>
-            <a:off x="5265000" y="4420799"/>
-            <a:ext cx="1026000" cy="154800"/>
+            <a:off x="5264999" y="4420799"/>
+            <a:ext cx="1025999" cy="154800"/>
           </a:xfrm>
           <a:prstGeom prst="roundRect">
             <a:avLst/>
@@ -19094,7 +19340,7 @@
         </p:nvSpPr>
         <p:spPr>
           <a:xfrm>
-            <a:off x="6363000" y="4384799"/>
+            <a:off x="6362998" y="4384799"/>
             <a:ext cx="518400" cy="154800"/>
           </a:xfrm>
           <a:prstGeom prst="rect">
@@ -20174,8 +20420,8 @@
         </p:nvSpPr>
         <p:spPr>
           <a:xfrm>
-            <a:off x="3992400" y="1108800"/>
-            <a:ext cx="4788000" cy="813599"/>
+            <a:off x="1940400" y="1108800"/>
+            <a:ext cx="7182000" cy="813599"/>
           </a:xfrm>
           <a:prstGeom prst="roundRect">
             <a:avLst>
@@ -22321,7 +22567,7 @@
         </p:nvSpPr>
         <p:spPr>
           <a:xfrm>
-            <a:off x="3942000" y="3218400"/>
+            <a:off x="3941999" y="3218400"/>
             <a:ext cx="4892400" cy="2865589"/>
           </a:xfrm>
           <a:prstGeom prst="roundRect">
@@ -22417,7 +22663,7 @@
         </p:nvSpPr>
         <p:spPr>
           <a:xfrm>
-            <a:off x="5094000" y="3394799"/>
+            <a:off x="5093999" y="3394799"/>
             <a:ext cx="1368000" cy="154800"/>
           </a:xfrm>
           <a:prstGeom prst="roundRect">
@@ -22463,7 +22709,7 @@
         </p:nvSpPr>
         <p:spPr>
           <a:xfrm>
-            <a:off x="6534000" y="3358799"/>
+            <a:off x="6533999" y="3358799"/>
             <a:ext cx="777600" cy="154800"/>
           </a:xfrm>
           <a:prstGeom prst="rect">
@@ -22501,7 +22747,7 @@
         </p:nvSpPr>
         <p:spPr>
           <a:xfrm>
-            <a:off x="5094000" y="3628799"/>
+            <a:off x="5093999" y="3628799"/>
             <a:ext cx="684000" cy="154800"/>
           </a:xfrm>
           <a:prstGeom prst="roundRect">
@@ -22547,7 +22793,7 @@
         </p:nvSpPr>
         <p:spPr>
           <a:xfrm>
-            <a:off x="5850000" y="3592799"/>
+            <a:off x="5849999" y="3592799"/>
             <a:ext cx="777600" cy="154800"/>
           </a:xfrm>
           <a:prstGeom prst="rect">
@@ -22585,7 +22831,7 @@
         </p:nvSpPr>
         <p:spPr>
           <a:xfrm>
-            <a:off x="5094000" y="3862799"/>
+            <a:off x="5093999" y="3862799"/>
             <a:ext cx="342000" cy="154800"/>
           </a:xfrm>
           <a:prstGeom prst="roundRect">
@@ -22631,7 +22877,7 @@
         </p:nvSpPr>
         <p:spPr>
           <a:xfrm>
-            <a:off x="5508000" y="3826799"/>
+            <a:off x="5507999" y="3826799"/>
             <a:ext cx="259200" cy="154800"/>
           </a:xfrm>
           <a:prstGeom prst="rect">
@@ -22669,7 +22915,7 @@
         </p:nvSpPr>
         <p:spPr>
           <a:xfrm>
-            <a:off x="5094000" y="4096799"/>
+            <a:off x="5093999" y="4096799"/>
             <a:ext cx="342000" cy="154800"/>
           </a:xfrm>
           <a:prstGeom prst="roundRect">
@@ -22715,7 +22961,7 @@
         </p:nvSpPr>
         <p:spPr>
           <a:xfrm>
-            <a:off x="5508000" y="4060799"/>
+            <a:off x="5507999" y="4060799"/>
             <a:ext cx="842400" cy="154800"/>
           </a:xfrm>
           <a:prstGeom prst="rect">
@@ -22753,7 +22999,7 @@
         </p:nvSpPr>
         <p:spPr>
           <a:xfrm>
-            <a:off x="5094000" y="4330799"/>
+            <a:off x="5093999" y="4330799"/>
             <a:ext cx="342000" cy="154800"/>
           </a:xfrm>
           <a:prstGeom prst="roundRect">
@@ -22799,7 +23045,7 @@
         </p:nvSpPr>
         <p:spPr>
           <a:xfrm>
-            <a:off x="5508000" y="4294799"/>
+            <a:off x="5507999" y="4294799"/>
             <a:ext cx="712800" cy="154800"/>
           </a:xfrm>
           <a:prstGeom prst="rect">
@@ -22837,7 +23083,7 @@
         </p:nvSpPr>
         <p:spPr>
           <a:xfrm>
-            <a:off x="5094000" y="4564799"/>
+            <a:off x="5093999" y="4564799"/>
             <a:ext cx="1368000" cy="154800"/>
           </a:xfrm>
           <a:prstGeom prst="roundRect">
@@ -22883,7 +23129,7 @@
         </p:nvSpPr>
         <p:spPr>
           <a:xfrm>
-            <a:off x="6534000" y="4528799"/>
+            <a:off x="6533999" y="4528799"/>
             <a:ext cx="518400" cy="154800"/>
           </a:xfrm>
           <a:prstGeom prst="rect">
@@ -22921,7 +23167,7 @@
         </p:nvSpPr>
         <p:spPr>
           <a:xfrm>
-            <a:off x="5436000" y="4798799"/>
+            <a:off x="5435999" y="4798799"/>
             <a:ext cx="684000" cy="154800"/>
           </a:xfrm>
           <a:prstGeom prst="roundRect">
@@ -22967,7 +23213,7 @@
         </p:nvSpPr>
         <p:spPr>
           <a:xfrm>
-            <a:off x="6192000" y="4762799"/>
+            <a:off x="6191999" y="4762799"/>
             <a:ext cx="518400" cy="154800"/>
           </a:xfrm>
           <a:prstGeom prst="rect">
@@ -23005,7 +23251,7 @@
         </p:nvSpPr>
         <p:spPr>
           <a:xfrm>
-            <a:off x="5436000" y="5032799"/>
+            <a:off x="5435999" y="5032799"/>
             <a:ext cx="684000" cy="154800"/>
           </a:xfrm>
           <a:prstGeom prst="roundRect">
@@ -23051,7 +23297,7 @@
         </p:nvSpPr>
         <p:spPr>
           <a:xfrm>
-            <a:off x="6192000" y="4996799"/>
+            <a:off x="6191999" y="4996799"/>
             <a:ext cx="518400" cy="154800"/>
           </a:xfrm>
           <a:prstGeom prst="rect">
@@ -23089,7 +23335,7 @@
         </p:nvSpPr>
         <p:spPr>
           <a:xfrm>
-            <a:off x="5436000" y="5266799"/>
+            <a:off x="5435999" y="5266799"/>
             <a:ext cx="684000" cy="154800"/>
           </a:xfrm>
           <a:prstGeom prst="roundRect">
@@ -23135,7 +23381,7 @@
         </p:nvSpPr>
         <p:spPr>
           <a:xfrm>
-            <a:off x="6192000" y="5230799"/>
+            <a:off x="6191999" y="5230799"/>
             <a:ext cx="518400" cy="154800"/>
           </a:xfrm>
           <a:prstGeom prst="rect">
@@ -23173,8 +23419,8 @@
         </p:nvSpPr>
         <p:spPr>
           <a:xfrm>
-            <a:off x="5265000" y="5500799"/>
-            <a:ext cx="1026000" cy="154800"/>
+            <a:off x="5264999" y="5500799"/>
+            <a:ext cx="1025999" cy="154800"/>
           </a:xfrm>
           <a:prstGeom prst="roundRect">
             <a:avLst/>
@@ -23219,7 +23465,7 @@
         </p:nvSpPr>
         <p:spPr>
           <a:xfrm>
-            <a:off x="6363000" y="5464799"/>
+            <a:off x="6362998" y="5464799"/>
             <a:ext cx="518400" cy="154800"/>
           </a:xfrm>
           <a:prstGeom prst="rect">
@@ -24054,8 +24300,8 @@
         </p:nvSpPr>
         <p:spPr>
           <a:xfrm>
-            <a:off x="3992400" y="1108800"/>
-            <a:ext cx="4788000" cy="813599"/>
+            <a:off x="1940400" y="1108800"/>
+            <a:ext cx="7182000" cy="813599"/>
           </a:xfrm>
           <a:prstGeom prst="roundRect">
             <a:avLst>
@@ -26446,7 +26692,7 @@
         </p:nvSpPr>
         <p:spPr>
           <a:xfrm>
-            <a:off x="3942000" y="2534408"/>
+            <a:off x="3941999" y="2534408"/>
             <a:ext cx="4892400" cy="2865589"/>
           </a:xfrm>
           <a:prstGeom prst="roundRect">
@@ -26542,7 +26788,7 @@
         </p:nvSpPr>
         <p:spPr>
           <a:xfrm>
-            <a:off x="5094000" y="2710807"/>
+            <a:off x="5093999" y="2710807"/>
             <a:ext cx="1368000" cy="154800"/>
           </a:xfrm>
           <a:prstGeom prst="roundRect">
@@ -26588,7 +26834,7 @@
         </p:nvSpPr>
         <p:spPr>
           <a:xfrm>
-            <a:off x="6534000" y="2674807"/>
+            <a:off x="6533999" y="2674807"/>
             <a:ext cx="777600" cy="154800"/>
           </a:xfrm>
           <a:prstGeom prst="rect">
@@ -26626,7 +26872,7 @@
         </p:nvSpPr>
         <p:spPr>
           <a:xfrm>
-            <a:off x="5094000" y="2944807"/>
+            <a:off x="5093999" y="2944807"/>
             <a:ext cx="684000" cy="154800"/>
           </a:xfrm>
           <a:prstGeom prst="roundRect">
@@ -26672,7 +26918,7 @@
         </p:nvSpPr>
         <p:spPr>
           <a:xfrm>
-            <a:off x="5850000" y="2908807"/>
+            <a:off x="5849999" y="2908807"/>
             <a:ext cx="777600" cy="154800"/>
           </a:xfrm>
           <a:prstGeom prst="rect">
@@ -26710,7 +26956,7 @@
         </p:nvSpPr>
         <p:spPr>
           <a:xfrm>
-            <a:off x="5094000" y="3178807"/>
+            <a:off x="5093999" y="3178807"/>
             <a:ext cx="342000" cy="154800"/>
           </a:xfrm>
           <a:prstGeom prst="roundRect">
@@ -26756,7 +27002,7 @@
         </p:nvSpPr>
         <p:spPr>
           <a:xfrm>
-            <a:off x="5508000" y="3142807"/>
+            <a:off x="5507999" y="3142807"/>
             <a:ext cx="259200" cy="154800"/>
           </a:xfrm>
           <a:prstGeom prst="rect">
@@ -26794,7 +27040,7 @@
         </p:nvSpPr>
         <p:spPr>
           <a:xfrm>
-            <a:off x="5094000" y="3412807"/>
+            <a:off x="5093999" y="3412807"/>
             <a:ext cx="342000" cy="154800"/>
           </a:xfrm>
           <a:prstGeom prst="roundRect">
@@ -26840,7 +27086,7 @@
         </p:nvSpPr>
         <p:spPr>
           <a:xfrm>
-            <a:off x="5508000" y="3376807"/>
+            <a:off x="5507999" y="3376807"/>
             <a:ext cx="842400" cy="154800"/>
           </a:xfrm>
           <a:prstGeom prst="rect">
@@ -26878,7 +27124,7 @@
         </p:nvSpPr>
         <p:spPr>
           <a:xfrm>
-            <a:off x="5094000" y="3646807"/>
+            <a:off x="5093999" y="3646807"/>
             <a:ext cx="342000" cy="154800"/>
           </a:xfrm>
           <a:prstGeom prst="roundRect">
@@ -26924,7 +27170,7 @@
         </p:nvSpPr>
         <p:spPr>
           <a:xfrm>
-            <a:off x="5508000" y="3610807"/>
+            <a:off x="5507999" y="3610807"/>
             <a:ext cx="712800" cy="154800"/>
           </a:xfrm>
           <a:prstGeom prst="rect">
@@ -26962,7 +27208,7 @@
         </p:nvSpPr>
         <p:spPr>
           <a:xfrm>
-            <a:off x="5094000" y="3880807"/>
+            <a:off x="5093999" y="3880807"/>
             <a:ext cx="1368000" cy="154800"/>
           </a:xfrm>
           <a:prstGeom prst="roundRect">
@@ -27008,7 +27254,7 @@
         </p:nvSpPr>
         <p:spPr>
           <a:xfrm>
-            <a:off x="6534000" y="3844807"/>
+            <a:off x="6533999" y="3844807"/>
             <a:ext cx="518400" cy="154800"/>
           </a:xfrm>
           <a:prstGeom prst="rect">
@@ -27046,7 +27292,7 @@
         </p:nvSpPr>
         <p:spPr>
           <a:xfrm>
-            <a:off x="5436000" y="4114807"/>
+            <a:off x="5435999" y="4114807"/>
             <a:ext cx="684000" cy="154800"/>
           </a:xfrm>
           <a:prstGeom prst="roundRect">
@@ -27092,7 +27338,7 @@
         </p:nvSpPr>
         <p:spPr>
           <a:xfrm>
-            <a:off x="6192000" y="4078807"/>
+            <a:off x="6191999" y="4078807"/>
             <a:ext cx="518400" cy="154800"/>
           </a:xfrm>
           <a:prstGeom prst="rect">
@@ -27130,7 +27376,7 @@
         </p:nvSpPr>
         <p:spPr>
           <a:xfrm>
-            <a:off x="5436000" y="4348807"/>
+            <a:off x="5435999" y="4348807"/>
             <a:ext cx="684000" cy="154800"/>
           </a:xfrm>
           <a:prstGeom prst="roundRect">
@@ -27176,7 +27422,7 @@
         </p:nvSpPr>
         <p:spPr>
           <a:xfrm>
-            <a:off x="6192000" y="4312807"/>
+            <a:off x="6191999" y="4312807"/>
             <a:ext cx="518400" cy="154800"/>
           </a:xfrm>
           <a:prstGeom prst="rect">
@@ -27214,7 +27460,7 @@
         </p:nvSpPr>
         <p:spPr>
           <a:xfrm>
-            <a:off x="5436000" y="4582807"/>
+            <a:off x="5435999" y="4582807"/>
             <a:ext cx="684000" cy="154800"/>
           </a:xfrm>
           <a:prstGeom prst="roundRect">
@@ -27260,7 +27506,7 @@
         </p:nvSpPr>
         <p:spPr>
           <a:xfrm>
-            <a:off x="6192000" y="4546807"/>
+            <a:off x="6191999" y="4546807"/>
             <a:ext cx="518400" cy="154800"/>
           </a:xfrm>
           <a:prstGeom prst="rect">
@@ -27298,8 +27544,8 @@
         </p:nvSpPr>
         <p:spPr>
           <a:xfrm>
-            <a:off x="5265000" y="4816807"/>
-            <a:ext cx="1026000" cy="154800"/>
+            <a:off x="5264999" y="4816807"/>
+            <a:ext cx="1025999" cy="154800"/>
           </a:xfrm>
           <a:prstGeom prst="roundRect">
             <a:avLst/>
@@ -27344,7 +27590,7 @@
         </p:nvSpPr>
         <p:spPr>
           <a:xfrm>
-            <a:off x="6363000" y="4780807"/>
+            <a:off x="6362998" y="4780807"/>
             <a:ext cx="518400" cy="154800"/>
           </a:xfrm>
           <a:prstGeom prst="rect">
@@ -28471,8 +28717,8 @@
         </p:nvSpPr>
         <p:spPr>
           <a:xfrm>
-            <a:off x="3992400" y="1108800"/>
-            <a:ext cx="4788000" cy="813599"/>
+            <a:off x="1940400" y="1108800"/>
+            <a:ext cx="7182000" cy="813599"/>
           </a:xfrm>
           <a:prstGeom prst="roundRect">
             <a:avLst>
@@ -31108,7 +31354,7 @@
         </p:nvSpPr>
         <p:spPr>
           <a:xfrm>
-            <a:off x="3942000" y="3614408"/>
+            <a:off x="3941999" y="3614408"/>
             <a:ext cx="4892400" cy="2865589"/>
           </a:xfrm>
           <a:prstGeom prst="roundRect">
@@ -31204,7 +31450,7 @@
         </p:nvSpPr>
         <p:spPr>
           <a:xfrm>
-            <a:off x="5094000" y="3790807"/>
+            <a:off x="5093999" y="3790807"/>
             <a:ext cx="1368000" cy="154800"/>
           </a:xfrm>
           <a:prstGeom prst="roundRect">
@@ -31250,7 +31496,7 @@
         </p:nvSpPr>
         <p:spPr>
           <a:xfrm>
-            <a:off x="6534000" y="3754807"/>
+            <a:off x="6533999" y="3754807"/>
             <a:ext cx="777600" cy="154800"/>
           </a:xfrm>
           <a:prstGeom prst="rect">
@@ -31288,7 +31534,7 @@
         </p:nvSpPr>
         <p:spPr>
           <a:xfrm>
-            <a:off x="5094000" y="4024807"/>
+            <a:off x="5093999" y="4024807"/>
             <a:ext cx="684000" cy="154800"/>
           </a:xfrm>
           <a:prstGeom prst="roundRect">
@@ -31334,7 +31580,7 @@
         </p:nvSpPr>
         <p:spPr>
           <a:xfrm>
-            <a:off x="5850000" y="3988807"/>
+            <a:off x="5849999" y="3988807"/>
             <a:ext cx="777600" cy="154800"/>
           </a:xfrm>
           <a:prstGeom prst="rect">
@@ -31372,7 +31618,7 @@
         </p:nvSpPr>
         <p:spPr>
           <a:xfrm>
-            <a:off x="5094000" y="4258807"/>
+            <a:off x="5093999" y="4258807"/>
             <a:ext cx="342000" cy="154800"/>
           </a:xfrm>
           <a:prstGeom prst="roundRect">
@@ -31418,7 +31664,7 @@
         </p:nvSpPr>
         <p:spPr>
           <a:xfrm>
-            <a:off x="5508000" y="4222807"/>
+            <a:off x="5507999" y="4222807"/>
             <a:ext cx="259200" cy="154800"/>
           </a:xfrm>
           <a:prstGeom prst="rect">
@@ -31456,7 +31702,7 @@
         </p:nvSpPr>
         <p:spPr>
           <a:xfrm>
-            <a:off x="5094000" y="4492807"/>
+            <a:off x="5093999" y="4492807"/>
             <a:ext cx="342000" cy="154800"/>
           </a:xfrm>
           <a:prstGeom prst="roundRect">
@@ -31502,7 +31748,7 @@
         </p:nvSpPr>
         <p:spPr>
           <a:xfrm>
-            <a:off x="5508000" y="4456807"/>
+            <a:off x="5507999" y="4456807"/>
             <a:ext cx="842400" cy="154800"/>
           </a:xfrm>
           <a:prstGeom prst="rect">
@@ -31540,7 +31786,7 @@
         </p:nvSpPr>
         <p:spPr>
           <a:xfrm>
-            <a:off x="5094000" y="4726807"/>
+            <a:off x="5093999" y="4726807"/>
             <a:ext cx="342000" cy="154800"/>
           </a:xfrm>
           <a:prstGeom prst="roundRect">
@@ -31586,7 +31832,7 @@
         </p:nvSpPr>
         <p:spPr>
           <a:xfrm>
-            <a:off x="5508000" y="4690807"/>
+            <a:off x="5507999" y="4690807"/>
             <a:ext cx="712800" cy="154800"/>
           </a:xfrm>
           <a:prstGeom prst="rect">
@@ -31624,7 +31870,7 @@
         </p:nvSpPr>
         <p:spPr>
           <a:xfrm>
-            <a:off x="5094000" y="4960807"/>
+            <a:off x="5093999" y="4960807"/>
             <a:ext cx="1368000" cy="154800"/>
           </a:xfrm>
           <a:prstGeom prst="roundRect">
@@ -31670,7 +31916,7 @@
         </p:nvSpPr>
         <p:spPr>
           <a:xfrm>
-            <a:off x="6534000" y="4924807"/>
+            <a:off x="6533999" y="4924807"/>
             <a:ext cx="518400" cy="154800"/>
           </a:xfrm>
           <a:prstGeom prst="rect">
@@ -31708,7 +31954,7 @@
         </p:nvSpPr>
         <p:spPr>
           <a:xfrm>
-            <a:off x="5436000" y="5194807"/>
+            <a:off x="5435999" y="5194807"/>
             <a:ext cx="684000" cy="154800"/>
           </a:xfrm>
           <a:prstGeom prst="roundRect">
@@ -31754,7 +32000,7 @@
         </p:nvSpPr>
         <p:spPr>
           <a:xfrm>
-            <a:off x="6192000" y="5158807"/>
+            <a:off x="6191999" y="5158807"/>
             <a:ext cx="518400" cy="154800"/>
           </a:xfrm>
           <a:prstGeom prst="rect">
@@ -31792,7 +32038,7 @@
         </p:nvSpPr>
         <p:spPr>
           <a:xfrm>
-            <a:off x="5436000" y="5428807"/>
+            <a:off x="5435999" y="5428807"/>
             <a:ext cx="684000" cy="154800"/>
           </a:xfrm>
           <a:prstGeom prst="roundRect">
@@ -31838,7 +32084,7 @@
         </p:nvSpPr>
         <p:spPr>
           <a:xfrm>
-            <a:off x="6192000" y="5392807"/>
+            <a:off x="6191999" y="5392807"/>
             <a:ext cx="518400" cy="154800"/>
           </a:xfrm>
           <a:prstGeom prst="rect">
@@ -31876,7 +32122,7 @@
         </p:nvSpPr>
         <p:spPr>
           <a:xfrm>
-            <a:off x="5436000" y="5662807"/>
+            <a:off x="5435999" y="5662807"/>
             <a:ext cx="684000" cy="154800"/>
           </a:xfrm>
           <a:prstGeom prst="roundRect">
@@ -31922,7 +32168,7 @@
         </p:nvSpPr>
         <p:spPr>
           <a:xfrm>
-            <a:off x="6192000" y="5626807"/>
+            <a:off x="6191999" y="5626807"/>
             <a:ext cx="518400" cy="154800"/>
           </a:xfrm>
           <a:prstGeom prst="rect">
@@ -31960,8 +32206,8 @@
         </p:nvSpPr>
         <p:spPr>
           <a:xfrm>
-            <a:off x="5265000" y="5896807"/>
-            <a:ext cx="1026000" cy="154800"/>
+            <a:off x="5264999" y="5896807"/>
+            <a:ext cx="1025999" cy="154800"/>
           </a:xfrm>
           <a:prstGeom prst="roundRect">
             <a:avLst/>
@@ -32006,7 +32252,7 @@
         </p:nvSpPr>
         <p:spPr>
           <a:xfrm>
-            <a:off x="6363000" y="5860807"/>
+            <a:off x="6362998" y="5860807"/>
             <a:ext cx="518400" cy="154800"/>
           </a:xfrm>
           <a:prstGeom prst="rect">
